--- a/RLL Project.pptx
+++ b/RLL Project.pptx
@@ -10,30 +10,33 @@
     <p:sldId id="258" r:id="rId4"/>
     <p:sldId id="259" r:id="rId5"/>
     <p:sldId id="276" r:id="rId6"/>
-    <p:sldId id="260" r:id="rId7"/>
-    <p:sldId id="261" r:id="rId8"/>
-    <p:sldId id="277" r:id="rId9"/>
-    <p:sldId id="264" r:id="rId10"/>
-    <p:sldId id="278" r:id="rId11"/>
-    <p:sldId id="266" r:id="rId12"/>
-    <p:sldId id="279" r:id="rId13"/>
-    <p:sldId id="267" r:id="rId14"/>
-    <p:sldId id="280" r:id="rId15"/>
-    <p:sldId id="269" r:id="rId16"/>
-    <p:sldId id="281" r:id="rId17"/>
-    <p:sldId id="272" r:id="rId18"/>
-    <p:sldId id="283" r:id="rId19"/>
-    <p:sldId id="265" r:id="rId20"/>
-    <p:sldId id="282" r:id="rId21"/>
-    <p:sldId id="268" r:id="rId22"/>
-    <p:sldId id="284" r:id="rId23"/>
-    <p:sldId id="270" r:id="rId24"/>
-    <p:sldId id="285" r:id="rId25"/>
-    <p:sldId id="271" r:id="rId26"/>
-    <p:sldId id="286" r:id="rId27"/>
-    <p:sldId id="262" r:id="rId28"/>
-    <p:sldId id="273" r:id="rId29"/>
-    <p:sldId id="274" r:id="rId30"/>
+    <p:sldId id="262" r:id="rId7"/>
+    <p:sldId id="273" r:id="rId8"/>
+    <p:sldId id="260" r:id="rId9"/>
+    <p:sldId id="261" r:id="rId10"/>
+    <p:sldId id="277" r:id="rId11"/>
+    <p:sldId id="264" r:id="rId12"/>
+    <p:sldId id="278" r:id="rId13"/>
+    <p:sldId id="266" r:id="rId14"/>
+    <p:sldId id="279" r:id="rId15"/>
+    <p:sldId id="267" r:id="rId16"/>
+    <p:sldId id="280" r:id="rId17"/>
+    <p:sldId id="269" r:id="rId18"/>
+    <p:sldId id="281" r:id="rId19"/>
+    <p:sldId id="272" r:id="rId20"/>
+    <p:sldId id="283" r:id="rId21"/>
+    <p:sldId id="265" r:id="rId22"/>
+    <p:sldId id="282" r:id="rId23"/>
+    <p:sldId id="268" r:id="rId24"/>
+    <p:sldId id="284" r:id="rId25"/>
+    <p:sldId id="270" r:id="rId26"/>
+    <p:sldId id="285" r:id="rId27"/>
+    <p:sldId id="271" r:id="rId28"/>
+    <p:sldId id="286" r:id="rId29"/>
+    <p:sldId id="287" r:id="rId30"/>
+    <p:sldId id="288" r:id="rId31"/>
+    <p:sldId id="289" r:id="rId32"/>
+    <p:sldId id="274" r:id="rId33"/>
   </p:sldIdLst>
   <p:sldSz cx="12192000" cy="6858000"/>
   <p:notesSz cx="6858000" cy="9144000"/>
@@ -329,7 +332,7 @@
             <a:fld id="{B61BEF0D-F0BB-DE4B-95CE-6DB70DBA9567}" type="datetimeFigureOut">
               <a:rPr lang="en-US" dirty="0"/>
               <a:pPr/>
-              <a:t>10/19/2022</a:t>
+              <a:t>10/20/2022</a:t>
             </a:fld>
             <a:endParaRPr lang="en-US" dirty="0"/>
           </a:p>
@@ -664,7 +667,7 @@
             <a:fld id="{B61BEF0D-F0BB-DE4B-95CE-6DB70DBA9567}" type="datetimeFigureOut">
               <a:rPr lang="en-US" dirty="0"/>
               <a:pPr/>
-              <a:t>10/19/2022</a:t>
+              <a:t>10/20/2022</a:t>
             </a:fld>
             <a:endParaRPr lang="en-US" dirty="0"/>
           </a:p>
@@ -1062,7 +1065,7 @@
             <a:fld id="{B61BEF0D-F0BB-DE4B-95CE-6DB70DBA9567}" type="datetimeFigureOut">
               <a:rPr lang="en-US" dirty="0"/>
               <a:pPr/>
-              <a:t>10/19/2022</a:t>
+              <a:t>10/20/2022</a:t>
             </a:fld>
             <a:endParaRPr lang="en-US" dirty="0"/>
           </a:p>
@@ -1395,7 +1398,7 @@
             <a:fld id="{B61BEF0D-F0BB-DE4B-95CE-6DB70DBA9567}" type="datetimeFigureOut">
               <a:rPr lang="en-US" dirty="0"/>
               <a:pPr/>
-              <a:t>10/19/2022</a:t>
+              <a:t>10/20/2022</a:t>
             </a:fld>
             <a:endParaRPr lang="en-US" dirty="0"/>
           </a:p>
@@ -1712,7 +1715,7 @@
             <a:fld id="{B61BEF0D-F0BB-DE4B-95CE-6DB70DBA9567}" type="datetimeFigureOut">
               <a:rPr lang="en-US" dirty="0"/>
               <a:pPr/>
-              <a:t>10/19/2022</a:t>
+              <a:t>10/20/2022</a:t>
             </a:fld>
             <a:endParaRPr lang="en-US" dirty="0"/>
           </a:p>
@@ -2105,7 +2108,7 @@
             <a:fld id="{B61BEF0D-F0BB-DE4B-95CE-6DB70DBA9567}" type="datetimeFigureOut">
               <a:rPr lang="en-US" dirty="0"/>
               <a:pPr/>
-              <a:t>10/19/2022</a:t>
+              <a:t>10/20/2022</a:t>
             </a:fld>
             <a:endParaRPr lang="en-US" dirty="0"/>
           </a:p>
@@ -2359,7 +2362,7 @@
             <a:fld id="{B61BEF0D-F0BB-DE4B-95CE-6DB70DBA9567}" type="datetimeFigureOut">
               <a:rPr lang="en-US" dirty="0"/>
               <a:pPr/>
-              <a:t>10/19/2022</a:t>
+              <a:t>10/20/2022</a:t>
             </a:fld>
             <a:endParaRPr lang="en-US" dirty="0"/>
           </a:p>
@@ -2618,7 +2621,7 @@
             <a:fld id="{B61BEF0D-F0BB-DE4B-95CE-6DB70DBA9567}" type="datetimeFigureOut">
               <a:rPr lang="en-US" dirty="0"/>
               <a:pPr/>
-              <a:t>10/19/2022</a:t>
+              <a:t>10/20/2022</a:t>
             </a:fld>
             <a:endParaRPr lang="en-US" dirty="0"/>
           </a:p>
@@ -2877,7 +2880,7 @@
             <a:fld id="{B61BEF0D-F0BB-DE4B-95CE-6DB70DBA9567}" type="datetimeFigureOut">
               <a:rPr lang="en-US" dirty="0"/>
               <a:pPr/>
-              <a:t>10/19/2022</a:t>
+              <a:t>10/20/2022</a:t>
             </a:fld>
             <a:endParaRPr lang="en-US" dirty="0"/>
           </a:p>
@@ -3203,7 +3206,7 @@
             <a:fld id="{B61BEF0D-F0BB-DE4B-95CE-6DB70DBA9567}" type="datetimeFigureOut">
               <a:rPr lang="en-US" dirty="0"/>
               <a:pPr/>
-              <a:t>10/19/2022</a:t>
+              <a:t>10/20/2022</a:t>
             </a:fld>
             <a:endParaRPr lang="en-US" dirty="0"/>
           </a:p>
@@ -3523,7 +3526,7 @@
             <a:fld id="{B61BEF0D-F0BB-DE4B-95CE-6DB70DBA9567}" type="datetimeFigureOut">
               <a:rPr lang="en-US" dirty="0"/>
               <a:pPr/>
-              <a:t>10/19/2022</a:t>
+              <a:t>10/20/2022</a:t>
             </a:fld>
             <a:endParaRPr lang="en-US" dirty="0"/>
           </a:p>
@@ -3977,7 +3980,7 @@
             <a:fld id="{B61BEF0D-F0BB-DE4B-95CE-6DB70DBA9567}" type="datetimeFigureOut">
               <a:rPr lang="en-US" dirty="0"/>
               <a:pPr/>
-              <a:t>10/19/2022</a:t>
+              <a:t>10/20/2022</a:t>
             </a:fld>
             <a:endParaRPr lang="en-US" dirty="0"/>
           </a:p>
@@ -4179,7 +4182,7 @@
             <a:fld id="{B61BEF0D-F0BB-DE4B-95CE-6DB70DBA9567}" type="datetimeFigureOut">
               <a:rPr lang="en-US" dirty="0"/>
               <a:pPr/>
-              <a:t>10/19/2022</a:t>
+              <a:t>10/20/2022</a:t>
             </a:fld>
             <a:endParaRPr lang="en-US" dirty="0"/>
           </a:p>
@@ -4353,7 +4356,7 @@
             <a:fld id="{B61BEF0D-F0BB-DE4B-95CE-6DB70DBA9567}" type="datetimeFigureOut">
               <a:rPr lang="en-US" dirty="0"/>
               <a:pPr/>
-              <a:t>10/19/2022</a:t>
+              <a:t>10/20/2022</a:t>
             </a:fld>
             <a:endParaRPr lang="en-US" dirty="0"/>
           </a:p>
@@ -4683,7 +4686,7 @@
             <a:fld id="{B61BEF0D-F0BB-DE4B-95CE-6DB70DBA9567}" type="datetimeFigureOut">
               <a:rPr lang="en-US" dirty="0"/>
               <a:pPr/>
-              <a:t>10/19/2022</a:t>
+              <a:t>10/20/2022</a:t>
             </a:fld>
             <a:endParaRPr lang="en-US" dirty="0"/>
           </a:p>
@@ -5025,7 +5028,7 @@
             <a:fld id="{B61BEF0D-F0BB-DE4B-95CE-6DB70DBA9567}" type="datetimeFigureOut">
               <a:rPr lang="en-US" dirty="0"/>
               <a:pPr/>
-              <a:t>10/19/2022</a:t>
+              <a:t>10/20/2022</a:t>
             </a:fld>
             <a:endParaRPr lang="en-US" dirty="0"/>
           </a:p>
@@ -7139,7 +7142,7 @@
             <a:fld id="{B61BEF0D-F0BB-DE4B-95CE-6DB70DBA9567}" type="datetimeFigureOut">
               <a:rPr lang="en-US" dirty="0"/>
               <a:pPr/>
-              <a:t>10/19/2022</a:t>
+              <a:t>10/20/2022</a:t>
             </a:fld>
             <a:endParaRPr lang="en-US" dirty="0"/>
           </a:p>
@@ -8848,6 +8851,760 @@
           <p:cNvPr id="2" name="Title 1">
             <a:extLst>
               <a:ext uri="{FF2B5EF4-FFF2-40B4-BE49-F238E27FC236}">
+                <a16:creationId xmlns:a16="http://schemas.microsoft.com/office/drawing/2014/main" id="{8C699CA6-C6E7-D386-BEBC-DC5C726B6352}"/>
+              </a:ext>
+            </a:extLst>
+          </p:cNvPr>
+          <p:cNvSpPr>
+            <a:spLocks noGrp="1"/>
+          </p:cNvSpPr>
+          <p:nvPr>
+            <p:ph type="title"/>
+          </p:nvPr>
+        </p:nvSpPr>
+        <p:spPr>
+          <a:xfrm>
+            <a:off x="2551765" y="624110"/>
+            <a:ext cx="8911687" cy="1280890"/>
+          </a:xfrm>
+        </p:spPr>
+        <p:txBody>
+          <a:bodyPr>
+            <a:normAutofit/>
+          </a:bodyPr>
+          <a:lstStyle/>
+          <a:p>
+            <a:r>
+              <a:rPr lang="en-IN" sz="2400" dirty="0">
+                <a:latin typeface="Times New Roman" panose="02020603050405020304" pitchFamily="18" charset="0"/>
+                <a:cs typeface="Times New Roman" panose="02020603050405020304" pitchFamily="18" charset="0"/>
+              </a:rPr>
+              <a:t>MODULE DESCRIPTION:</a:t>
+            </a:r>
+          </a:p>
+        </p:txBody>
+      </p:sp>
+      <p:sp>
+        <p:nvSpPr>
+          <p:cNvPr id="3" name="Content Placeholder 2">
+            <a:extLst>
+              <a:ext uri="{FF2B5EF4-FFF2-40B4-BE49-F238E27FC236}">
+                <a16:creationId xmlns:a16="http://schemas.microsoft.com/office/drawing/2014/main" id="{043E225D-E552-1D56-A6CC-14FFF45AC064}"/>
+              </a:ext>
+            </a:extLst>
+          </p:cNvPr>
+          <p:cNvSpPr>
+            <a:spLocks noGrp="1"/>
+          </p:cNvSpPr>
+          <p:nvPr>
+            <p:ph idx="1"/>
+          </p:nvPr>
+        </p:nvSpPr>
+        <p:spPr/>
+        <p:txBody>
+          <a:bodyPr>
+            <a:normAutofit/>
+          </a:bodyPr>
+          <a:lstStyle/>
+          <a:p>
+            <a:pPr marL="0" indent="0">
+              <a:buNone/>
+            </a:pPr>
+            <a:endParaRPr lang="en-IN" sz="7400" dirty="0">
+              <a:latin typeface="Times New Roman" panose="02020603050405020304" pitchFamily="18" charset="0"/>
+              <a:cs typeface="Times New Roman" panose="02020603050405020304" pitchFamily="18" charset="0"/>
+            </a:endParaRPr>
+          </a:p>
+          <a:p>
+            <a:pPr marL="0" indent="0">
+              <a:buNone/>
+            </a:pPr>
+            <a:endParaRPr lang="en-US" sz="8000" dirty="0">
+              <a:latin typeface="Times New Roman" panose="02020603050405020304" pitchFamily="18" charset="0"/>
+              <a:ea typeface="+mn-lt"/>
+              <a:cs typeface="Times New Roman" panose="02020603050405020304" pitchFamily="18" charset="0"/>
+            </a:endParaRPr>
+          </a:p>
+          <a:p>
+            <a:pPr>
+              <a:buFont typeface="Wingdings,Sans-Serif" charset="2"/>
+              <a:buChar char="Ø"/>
+            </a:pPr>
+            <a:endParaRPr lang="en-US" sz="6200" dirty="0">
+              <a:solidFill>
+                <a:srgbClr val="404040"/>
+              </a:solidFill>
+              <a:latin typeface="Times New Roman" panose="02020603050405020304" pitchFamily="18" charset="0"/>
+              <a:cs typeface="Times New Roman" panose="02020603050405020304" pitchFamily="18" charset="0"/>
+            </a:endParaRPr>
+          </a:p>
+          <a:p>
+            <a:pPr marL="0" indent="0">
+              <a:buNone/>
+            </a:pPr>
+            <a:endParaRPr lang="en-IN" sz="2200" dirty="0">
+              <a:latin typeface="Times New Roman" panose="02020603050405020304" pitchFamily="18" charset="0"/>
+              <a:cs typeface="Times New Roman" panose="02020603050405020304" pitchFamily="18" charset="0"/>
+            </a:endParaRPr>
+          </a:p>
+          <a:p>
+            <a:endParaRPr lang="en-IN" sz="2000" dirty="0">
+              <a:latin typeface="Times New Roman" panose="02020603050405020304" pitchFamily="18" charset="0"/>
+              <a:cs typeface="Times New Roman" panose="02020603050405020304" pitchFamily="18" charset="0"/>
+            </a:endParaRPr>
+          </a:p>
+          <a:p>
+            <a:endParaRPr lang="en-IN" sz="2000" dirty="0">
+              <a:latin typeface="Times New Roman" panose="02020603050405020304" pitchFamily="18" charset="0"/>
+              <a:cs typeface="Times New Roman" panose="02020603050405020304" pitchFamily="18" charset="0"/>
+            </a:endParaRPr>
+          </a:p>
+          <a:p>
+            <a:endParaRPr lang="en-IN" sz="2000" dirty="0">
+              <a:latin typeface="Times New Roman" panose="02020603050405020304" pitchFamily="18" charset="0"/>
+              <a:cs typeface="Times New Roman" panose="02020603050405020304" pitchFamily="18" charset="0"/>
+            </a:endParaRPr>
+          </a:p>
+          <a:p>
+            <a:endParaRPr lang="en-IN" sz="2000" dirty="0">
+              <a:latin typeface="Times New Roman" panose="02020603050405020304" pitchFamily="18" charset="0"/>
+              <a:cs typeface="Times New Roman" panose="02020603050405020304" pitchFamily="18" charset="0"/>
+            </a:endParaRPr>
+          </a:p>
+          <a:p>
+            <a:endParaRPr lang="en-IN" sz="2000" dirty="0">
+              <a:latin typeface="Times New Roman" panose="02020603050405020304" pitchFamily="18" charset="0"/>
+              <a:cs typeface="Times New Roman" panose="02020603050405020304" pitchFamily="18" charset="0"/>
+            </a:endParaRPr>
+          </a:p>
+          <a:p>
+            <a:endParaRPr lang="en-IN" sz="2000" dirty="0">
+              <a:latin typeface="Times New Roman" panose="02020603050405020304" pitchFamily="18" charset="0"/>
+              <a:cs typeface="Times New Roman" panose="02020603050405020304" pitchFamily="18" charset="0"/>
+            </a:endParaRPr>
+          </a:p>
+          <a:p>
+            <a:endParaRPr lang="en-IN" sz="2000" dirty="0">
+              <a:latin typeface="Times New Roman" panose="02020603050405020304" pitchFamily="18" charset="0"/>
+              <a:cs typeface="Times New Roman" panose="02020603050405020304" pitchFamily="18" charset="0"/>
+            </a:endParaRPr>
+          </a:p>
+          <a:p>
+            <a:endParaRPr lang="en-IN" sz="2000" dirty="0">
+              <a:latin typeface="Times New Roman" panose="02020603050405020304" pitchFamily="18" charset="0"/>
+              <a:cs typeface="Times New Roman" panose="02020603050405020304" pitchFamily="18" charset="0"/>
+            </a:endParaRPr>
+          </a:p>
+          <a:p>
+            <a:endParaRPr lang="en-IN" sz="2000" dirty="0">
+              <a:latin typeface="Times New Roman" panose="02020603050405020304" pitchFamily="18" charset="0"/>
+              <a:cs typeface="Times New Roman" panose="02020603050405020304" pitchFamily="18" charset="0"/>
+            </a:endParaRPr>
+          </a:p>
+          <a:p>
+            <a:endParaRPr lang="en-IN" sz="2000" dirty="0">
+              <a:latin typeface="Times New Roman" panose="02020603050405020304" pitchFamily="18" charset="0"/>
+              <a:cs typeface="Times New Roman" panose="02020603050405020304" pitchFamily="18" charset="0"/>
+            </a:endParaRPr>
+          </a:p>
+          <a:p>
+            <a:endParaRPr lang="en-IN" sz="2000" dirty="0">
+              <a:latin typeface="Times New Roman" panose="02020603050405020304" pitchFamily="18" charset="0"/>
+              <a:cs typeface="Times New Roman" panose="02020603050405020304" pitchFamily="18" charset="0"/>
+            </a:endParaRPr>
+          </a:p>
+          <a:p>
+            <a:endParaRPr lang="en-IN" sz="2000" dirty="0">
+              <a:latin typeface="Times New Roman" panose="02020603050405020304" pitchFamily="18" charset="0"/>
+              <a:cs typeface="Times New Roman" panose="02020603050405020304" pitchFamily="18" charset="0"/>
+            </a:endParaRPr>
+          </a:p>
+          <a:p>
+            <a:endParaRPr lang="en-IN" sz="2000" dirty="0">
+              <a:latin typeface="Times New Roman" panose="02020603050405020304" pitchFamily="18" charset="0"/>
+              <a:cs typeface="Times New Roman" panose="02020603050405020304" pitchFamily="18" charset="0"/>
+            </a:endParaRPr>
+          </a:p>
+          <a:p>
+            <a:endParaRPr lang="en-IN" sz="2000" dirty="0">
+              <a:latin typeface="Times New Roman" panose="02020603050405020304" pitchFamily="18" charset="0"/>
+              <a:cs typeface="Times New Roman" panose="02020603050405020304" pitchFamily="18" charset="0"/>
+            </a:endParaRPr>
+          </a:p>
+          <a:p>
+            <a:endParaRPr lang="en-IN" sz="2000" dirty="0">
+              <a:latin typeface="Times New Roman" panose="02020603050405020304" pitchFamily="18" charset="0"/>
+              <a:cs typeface="Times New Roman" panose="02020603050405020304" pitchFamily="18" charset="0"/>
+            </a:endParaRPr>
+          </a:p>
+          <a:p>
+            <a:endParaRPr lang="en-IN" sz="2000" dirty="0">
+              <a:latin typeface="Times New Roman" panose="02020603050405020304" pitchFamily="18" charset="0"/>
+              <a:cs typeface="Times New Roman" panose="02020603050405020304" pitchFamily="18" charset="0"/>
+            </a:endParaRPr>
+          </a:p>
+          <a:p>
+            <a:endParaRPr lang="en-IN" sz="2000" dirty="0">
+              <a:latin typeface="Times New Roman" panose="02020603050405020304" pitchFamily="18" charset="0"/>
+              <a:cs typeface="Times New Roman" panose="02020603050405020304" pitchFamily="18" charset="0"/>
+            </a:endParaRPr>
+          </a:p>
+          <a:p>
+            <a:endParaRPr lang="en-IN" sz="2000" dirty="0">
+              <a:latin typeface="Times New Roman" panose="02020603050405020304" pitchFamily="18" charset="0"/>
+              <a:cs typeface="Times New Roman" panose="02020603050405020304" pitchFamily="18" charset="0"/>
+            </a:endParaRPr>
+          </a:p>
+          <a:p>
+            <a:endParaRPr lang="en-IN" sz="2000" dirty="0">
+              <a:latin typeface="Times New Roman" panose="02020603050405020304" pitchFamily="18" charset="0"/>
+              <a:cs typeface="Times New Roman" panose="02020603050405020304" pitchFamily="18" charset="0"/>
+            </a:endParaRPr>
+          </a:p>
+          <a:p>
+            <a:endParaRPr lang="en-IN" sz="2000" dirty="0">
+              <a:latin typeface="Times New Roman" panose="02020603050405020304" pitchFamily="18" charset="0"/>
+              <a:cs typeface="Times New Roman" panose="02020603050405020304" pitchFamily="18" charset="0"/>
+            </a:endParaRPr>
+          </a:p>
+          <a:p>
+            <a:endParaRPr lang="en-IN" sz="2000" dirty="0">
+              <a:latin typeface="Times New Roman" panose="02020603050405020304" pitchFamily="18" charset="0"/>
+              <a:cs typeface="Times New Roman" panose="02020603050405020304" pitchFamily="18" charset="0"/>
+            </a:endParaRPr>
+          </a:p>
+          <a:p>
+            <a:endParaRPr lang="en-IN" sz="2000" dirty="0">
+              <a:latin typeface="Times New Roman" panose="02020603050405020304" pitchFamily="18" charset="0"/>
+              <a:cs typeface="Times New Roman" panose="02020603050405020304" pitchFamily="18" charset="0"/>
+            </a:endParaRPr>
+          </a:p>
+          <a:p>
+            <a:endParaRPr lang="en-IN" sz="2000" dirty="0">
+              <a:latin typeface="Times New Roman" panose="02020603050405020304" pitchFamily="18" charset="0"/>
+              <a:cs typeface="Times New Roman" panose="02020603050405020304" pitchFamily="18" charset="0"/>
+            </a:endParaRPr>
+          </a:p>
+          <a:p>
+            <a:endParaRPr lang="en-IN" sz="2000" dirty="0">
+              <a:latin typeface="Times New Roman" panose="02020603050405020304" pitchFamily="18" charset="0"/>
+              <a:cs typeface="Times New Roman" panose="02020603050405020304" pitchFamily="18" charset="0"/>
+            </a:endParaRPr>
+          </a:p>
+          <a:p>
+            <a:endParaRPr lang="en-IN" sz="2000" dirty="0">
+              <a:latin typeface="Times New Roman" panose="02020603050405020304" pitchFamily="18" charset="0"/>
+              <a:cs typeface="Times New Roman" panose="02020603050405020304" pitchFamily="18" charset="0"/>
+            </a:endParaRPr>
+          </a:p>
+          <a:p>
+            <a:endParaRPr lang="en-IN" sz="2000" dirty="0">
+              <a:latin typeface="Times New Roman" panose="02020603050405020304" pitchFamily="18" charset="0"/>
+              <a:cs typeface="Times New Roman" panose="02020603050405020304" pitchFamily="18" charset="0"/>
+            </a:endParaRPr>
+          </a:p>
+          <a:p>
+            <a:endParaRPr lang="en-IN" sz="2000" dirty="0">
+              <a:latin typeface="Times New Roman" panose="02020603050405020304" pitchFamily="18" charset="0"/>
+              <a:cs typeface="Times New Roman" panose="02020603050405020304" pitchFamily="18" charset="0"/>
+            </a:endParaRPr>
+          </a:p>
+          <a:p>
+            <a:endParaRPr lang="en-IN" sz="2000" dirty="0">
+              <a:latin typeface="Times New Roman" panose="02020603050405020304" pitchFamily="18" charset="0"/>
+              <a:cs typeface="Times New Roman" panose="02020603050405020304" pitchFamily="18" charset="0"/>
+            </a:endParaRPr>
+          </a:p>
+          <a:p>
+            <a:endParaRPr lang="en-IN" sz="2000" dirty="0">
+              <a:latin typeface="Times New Roman" panose="02020603050405020304" pitchFamily="18" charset="0"/>
+              <a:cs typeface="Times New Roman" panose="02020603050405020304" pitchFamily="18" charset="0"/>
+            </a:endParaRPr>
+          </a:p>
+          <a:p>
+            <a:endParaRPr lang="en-IN" sz="2000" dirty="0">
+              <a:latin typeface="Times New Roman" panose="02020603050405020304" pitchFamily="18" charset="0"/>
+              <a:cs typeface="Times New Roman" panose="02020603050405020304" pitchFamily="18" charset="0"/>
+            </a:endParaRPr>
+          </a:p>
+          <a:p>
+            <a:endParaRPr lang="en-IN" sz="2000" dirty="0">
+              <a:latin typeface="Times New Roman" panose="02020603050405020304" pitchFamily="18" charset="0"/>
+              <a:cs typeface="Times New Roman" panose="02020603050405020304" pitchFamily="18" charset="0"/>
+            </a:endParaRPr>
+          </a:p>
+          <a:p>
+            <a:endParaRPr lang="en-IN" sz="2000" dirty="0">
+              <a:latin typeface="Times New Roman" panose="02020603050405020304" pitchFamily="18" charset="0"/>
+              <a:cs typeface="Times New Roman" panose="02020603050405020304" pitchFamily="18" charset="0"/>
+            </a:endParaRPr>
+          </a:p>
+          <a:p>
+            <a:endParaRPr lang="en-IN" sz="2000" dirty="0">
+              <a:latin typeface="Times New Roman" panose="02020603050405020304" pitchFamily="18" charset="0"/>
+              <a:cs typeface="Times New Roman" panose="02020603050405020304" pitchFamily="18" charset="0"/>
+            </a:endParaRPr>
+          </a:p>
+          <a:p>
+            <a:endParaRPr lang="en-IN" sz="2000" dirty="0">
+              <a:latin typeface="Times New Roman" panose="02020603050405020304" pitchFamily="18" charset="0"/>
+              <a:cs typeface="Times New Roman" panose="02020603050405020304" pitchFamily="18" charset="0"/>
+            </a:endParaRPr>
+          </a:p>
+          <a:p>
+            <a:endParaRPr lang="en-IN" sz="2000" dirty="0">
+              <a:latin typeface="Times New Roman" panose="02020603050405020304" pitchFamily="18" charset="0"/>
+              <a:cs typeface="Times New Roman" panose="02020603050405020304" pitchFamily="18" charset="0"/>
+            </a:endParaRPr>
+          </a:p>
+          <a:p>
+            <a:endParaRPr lang="en-IN" sz="2000" dirty="0">
+              <a:latin typeface="Times New Roman" panose="02020603050405020304" pitchFamily="18" charset="0"/>
+              <a:cs typeface="Times New Roman" panose="02020603050405020304" pitchFamily="18" charset="0"/>
+            </a:endParaRPr>
+          </a:p>
+          <a:p>
+            <a:endParaRPr lang="en-IN" sz="2000" dirty="0">
+              <a:latin typeface="Times New Roman" panose="02020603050405020304" pitchFamily="18" charset="0"/>
+              <a:cs typeface="Times New Roman" panose="02020603050405020304" pitchFamily="18" charset="0"/>
+            </a:endParaRPr>
+          </a:p>
+          <a:p>
+            <a:endParaRPr lang="en-IN" sz="2000" dirty="0">
+              <a:latin typeface="Times New Roman" panose="02020603050405020304" pitchFamily="18" charset="0"/>
+              <a:cs typeface="Times New Roman" panose="02020603050405020304" pitchFamily="18" charset="0"/>
+            </a:endParaRPr>
+          </a:p>
+          <a:p>
+            <a:endParaRPr lang="en-IN" sz="2000" dirty="0">
+              <a:latin typeface="Times New Roman" panose="02020603050405020304" pitchFamily="18" charset="0"/>
+              <a:cs typeface="Times New Roman" panose="02020603050405020304" pitchFamily="18" charset="0"/>
+            </a:endParaRPr>
+          </a:p>
+          <a:p>
+            <a:endParaRPr lang="en-IN" sz="2000" dirty="0">
+              <a:latin typeface="Times New Roman" panose="02020603050405020304" pitchFamily="18" charset="0"/>
+              <a:cs typeface="Times New Roman" panose="02020603050405020304" pitchFamily="18" charset="0"/>
+            </a:endParaRPr>
+          </a:p>
+          <a:p>
+            <a:endParaRPr lang="en-IN" sz="2000" dirty="0">
+              <a:latin typeface="Times New Roman" panose="02020603050405020304" pitchFamily="18" charset="0"/>
+              <a:cs typeface="Times New Roman" panose="02020603050405020304" pitchFamily="18" charset="0"/>
+            </a:endParaRPr>
+          </a:p>
+          <a:p>
+            <a:endParaRPr lang="en-IN" sz="2000" dirty="0">
+              <a:latin typeface="Times New Roman" panose="02020603050405020304" pitchFamily="18" charset="0"/>
+              <a:cs typeface="Times New Roman" panose="02020603050405020304" pitchFamily="18" charset="0"/>
+            </a:endParaRPr>
+          </a:p>
+          <a:p>
+            <a:endParaRPr lang="en-IN" sz="2000" dirty="0">
+              <a:latin typeface="Times New Roman" panose="02020603050405020304" pitchFamily="18" charset="0"/>
+              <a:cs typeface="Times New Roman" panose="02020603050405020304" pitchFamily="18" charset="0"/>
+            </a:endParaRPr>
+          </a:p>
+          <a:p>
+            <a:endParaRPr lang="en-IN" sz="2000" dirty="0">
+              <a:latin typeface="Times New Roman" panose="02020603050405020304" pitchFamily="18" charset="0"/>
+              <a:cs typeface="Times New Roman" panose="02020603050405020304" pitchFamily="18" charset="0"/>
+            </a:endParaRPr>
+          </a:p>
+          <a:p>
+            <a:endParaRPr lang="en-IN" sz="2000" dirty="0">
+              <a:latin typeface="Times New Roman" panose="02020603050405020304" pitchFamily="18" charset="0"/>
+              <a:cs typeface="Times New Roman" panose="02020603050405020304" pitchFamily="18" charset="0"/>
+            </a:endParaRPr>
+          </a:p>
+          <a:p>
+            <a:endParaRPr lang="en-IN" sz="2000" dirty="0">
+              <a:latin typeface="Times New Roman" panose="02020603050405020304" pitchFamily="18" charset="0"/>
+              <a:cs typeface="Times New Roman" panose="02020603050405020304" pitchFamily="18" charset="0"/>
+            </a:endParaRPr>
+          </a:p>
+          <a:p>
+            <a:endParaRPr lang="en-IN" sz="2000" dirty="0">
+              <a:latin typeface="Times New Roman" panose="02020603050405020304" pitchFamily="18" charset="0"/>
+              <a:cs typeface="Times New Roman" panose="02020603050405020304" pitchFamily="18" charset="0"/>
+            </a:endParaRPr>
+          </a:p>
+          <a:p>
+            <a:endParaRPr lang="en-IN" sz="2000" dirty="0">
+              <a:latin typeface="Times New Roman" panose="02020603050405020304" pitchFamily="18" charset="0"/>
+              <a:cs typeface="Times New Roman" panose="02020603050405020304" pitchFamily="18" charset="0"/>
+            </a:endParaRPr>
+          </a:p>
+          <a:p>
+            <a:endParaRPr lang="en-IN" sz="2000" dirty="0">
+              <a:latin typeface="Times New Roman" panose="02020603050405020304" pitchFamily="18" charset="0"/>
+              <a:cs typeface="Times New Roman" panose="02020603050405020304" pitchFamily="18" charset="0"/>
+            </a:endParaRPr>
+          </a:p>
+          <a:p>
+            <a:endParaRPr lang="en-IN" sz="2000" dirty="0">
+              <a:latin typeface="Times New Roman" panose="02020603050405020304" pitchFamily="18" charset="0"/>
+              <a:cs typeface="Times New Roman" panose="02020603050405020304" pitchFamily="18" charset="0"/>
+            </a:endParaRPr>
+          </a:p>
+          <a:p>
+            <a:endParaRPr lang="en-IN" sz="2000" dirty="0">
+              <a:latin typeface="Times New Roman" panose="02020603050405020304" pitchFamily="18" charset="0"/>
+              <a:cs typeface="Times New Roman" panose="02020603050405020304" pitchFamily="18" charset="0"/>
+            </a:endParaRPr>
+          </a:p>
+          <a:p>
+            <a:endParaRPr lang="en-IN" sz="2000" dirty="0">
+              <a:latin typeface="Times New Roman" panose="02020603050405020304" pitchFamily="18" charset="0"/>
+              <a:cs typeface="Times New Roman" panose="02020603050405020304" pitchFamily="18" charset="0"/>
+            </a:endParaRPr>
+          </a:p>
+          <a:p>
+            <a:endParaRPr lang="en-IN" sz="2000" dirty="0">
+              <a:latin typeface="Times New Roman" panose="02020603050405020304" pitchFamily="18" charset="0"/>
+              <a:cs typeface="Times New Roman" panose="02020603050405020304" pitchFamily="18" charset="0"/>
+            </a:endParaRPr>
+          </a:p>
+          <a:p>
+            <a:endParaRPr lang="en-IN" sz="2000" dirty="0">
+              <a:latin typeface="Times New Roman" panose="02020603050405020304" pitchFamily="18" charset="0"/>
+              <a:cs typeface="Times New Roman" panose="02020603050405020304" pitchFamily="18" charset="0"/>
+            </a:endParaRPr>
+          </a:p>
+          <a:p>
+            <a:endParaRPr lang="en-IN" sz="2000" dirty="0">
+              <a:latin typeface="Times New Roman" panose="02020603050405020304" pitchFamily="18" charset="0"/>
+              <a:cs typeface="Times New Roman" panose="02020603050405020304" pitchFamily="18" charset="0"/>
+            </a:endParaRPr>
+          </a:p>
+          <a:p>
+            <a:endParaRPr lang="en-IN" sz="2000" dirty="0">
+              <a:latin typeface="Times New Roman" panose="02020603050405020304" pitchFamily="18" charset="0"/>
+              <a:cs typeface="Times New Roman" panose="02020603050405020304" pitchFamily="18" charset="0"/>
+            </a:endParaRPr>
+          </a:p>
+          <a:p>
+            <a:endParaRPr lang="en-IN" sz="2000" dirty="0">
+              <a:latin typeface="Times New Roman" panose="02020603050405020304" pitchFamily="18" charset="0"/>
+              <a:cs typeface="Times New Roman" panose="02020603050405020304" pitchFamily="18" charset="0"/>
+            </a:endParaRPr>
+          </a:p>
+          <a:p>
+            <a:endParaRPr lang="en-IN" sz="2000" dirty="0">
+              <a:latin typeface="Times New Roman" panose="02020603050405020304" pitchFamily="18" charset="0"/>
+              <a:cs typeface="Times New Roman" panose="02020603050405020304" pitchFamily="18" charset="0"/>
+            </a:endParaRPr>
+          </a:p>
+          <a:p>
+            <a:endParaRPr lang="en-IN" sz="2000" dirty="0">
+              <a:latin typeface="Times New Roman" panose="02020603050405020304" pitchFamily="18" charset="0"/>
+              <a:cs typeface="Times New Roman" panose="02020603050405020304" pitchFamily="18" charset="0"/>
+            </a:endParaRPr>
+          </a:p>
+          <a:p>
+            <a:endParaRPr lang="en-IN" sz="2000" dirty="0">
+              <a:latin typeface="Times New Roman" panose="02020603050405020304" pitchFamily="18" charset="0"/>
+              <a:cs typeface="Times New Roman" panose="02020603050405020304" pitchFamily="18" charset="0"/>
+            </a:endParaRPr>
+          </a:p>
+          <a:p>
+            <a:endParaRPr lang="en-IN" sz="2000" dirty="0">
+              <a:latin typeface="Times New Roman" panose="02020603050405020304" pitchFamily="18" charset="0"/>
+              <a:cs typeface="Times New Roman" panose="02020603050405020304" pitchFamily="18" charset="0"/>
+            </a:endParaRPr>
+          </a:p>
+          <a:p>
+            <a:endParaRPr lang="en-IN" sz="2000" dirty="0">
+              <a:latin typeface="Times New Roman" panose="02020603050405020304" pitchFamily="18" charset="0"/>
+              <a:cs typeface="Times New Roman" panose="02020603050405020304" pitchFamily="18" charset="0"/>
+            </a:endParaRPr>
+          </a:p>
+          <a:p>
+            <a:endParaRPr lang="en-IN" sz="2000" dirty="0">
+              <a:latin typeface="Times New Roman" panose="02020603050405020304" pitchFamily="18" charset="0"/>
+              <a:cs typeface="Times New Roman" panose="02020603050405020304" pitchFamily="18" charset="0"/>
+            </a:endParaRPr>
+          </a:p>
+          <a:p>
+            <a:endParaRPr lang="en-IN" sz="2000" dirty="0">
+              <a:latin typeface="Times New Roman" panose="02020603050405020304" pitchFamily="18" charset="0"/>
+              <a:cs typeface="Times New Roman" panose="02020603050405020304" pitchFamily="18" charset="0"/>
+            </a:endParaRPr>
+          </a:p>
+          <a:p>
+            <a:endParaRPr lang="en-IN" sz="2000" dirty="0">
+              <a:latin typeface="Times New Roman" panose="02020603050405020304" pitchFamily="18" charset="0"/>
+              <a:cs typeface="Times New Roman" panose="02020603050405020304" pitchFamily="18" charset="0"/>
+            </a:endParaRPr>
+          </a:p>
+          <a:p>
+            <a:endParaRPr lang="en-IN" sz="2000" dirty="0">
+              <a:latin typeface="Times New Roman" panose="02020603050405020304" pitchFamily="18" charset="0"/>
+              <a:cs typeface="Times New Roman" panose="02020603050405020304" pitchFamily="18" charset="0"/>
+            </a:endParaRPr>
+          </a:p>
+          <a:p>
+            <a:endParaRPr lang="en-IN" sz="2000" dirty="0">
+              <a:latin typeface="Times New Roman" panose="02020603050405020304" pitchFamily="18" charset="0"/>
+              <a:cs typeface="Times New Roman" panose="02020603050405020304" pitchFamily="18" charset="0"/>
+            </a:endParaRPr>
+          </a:p>
+          <a:p>
+            <a:pPr marL="0" indent="0">
+              <a:buNone/>
+            </a:pPr>
+            <a:endParaRPr lang="en-IN" sz="2000" dirty="0">
+              <a:latin typeface="Times New Roman" panose="02020603050405020304" pitchFamily="18" charset="0"/>
+              <a:cs typeface="Times New Roman" panose="02020603050405020304" pitchFamily="18" charset="0"/>
+            </a:endParaRPr>
+          </a:p>
+          <a:p>
+            <a:pPr marL="0" indent="0">
+              <a:buNone/>
+            </a:pPr>
+            <a:endParaRPr lang="en-IN" sz="2000" dirty="0">
+              <a:latin typeface="Times New Roman" panose="02020603050405020304" pitchFamily="18" charset="0"/>
+              <a:cs typeface="Times New Roman" panose="02020603050405020304" pitchFamily="18" charset="0"/>
+            </a:endParaRPr>
+          </a:p>
+        </p:txBody>
+      </p:sp>
+      <p:pic>
+        <p:nvPicPr>
+          <p:cNvPr id="5" name="Picture 4" descr="Graphical user interface, application&#10;&#10;Description automatically generated">
+            <a:extLst>
+              <a:ext uri="{FF2B5EF4-FFF2-40B4-BE49-F238E27FC236}">
+                <a16:creationId xmlns:a16="http://schemas.microsoft.com/office/drawing/2014/main" id="{721AD737-431D-EBCA-AD6F-BB1A3249F2EA}"/>
+              </a:ext>
+            </a:extLst>
+          </p:cNvPr>
+          <p:cNvPicPr>
+            <a:picLocks noChangeAspect="1"/>
+          </p:cNvPicPr>
+          <p:nvPr/>
+        </p:nvPicPr>
+        <p:blipFill>
+          <a:blip r:embed="rId2"/>
+          <a:stretch>
+            <a:fillRect/>
+          </a:stretch>
+        </p:blipFill>
+        <p:spPr>
+          <a:xfrm>
+            <a:off x="2000250" y="1509712"/>
+            <a:ext cx="9372600" cy="5272088"/>
+          </a:xfrm>
+          <a:prstGeom prst="rect">
+            <a:avLst/>
+          </a:prstGeom>
+        </p:spPr>
+      </p:pic>
+    </p:spTree>
+    <p:extLst>
+      <p:ext uri="{BB962C8B-B14F-4D97-AF65-F5344CB8AC3E}">
+        <p14:creationId xmlns:p14="http://schemas.microsoft.com/office/powerpoint/2010/main" val="3200146786"/>
+      </p:ext>
+    </p:extLst>
+  </p:cSld>
+  <p:clrMapOvr>
+    <a:masterClrMapping/>
+  </p:clrMapOvr>
+</p:sld>
+</file>
+
+<file path=ppt/slides/slide11.xml><?xml version="1.0" encoding="utf-8"?>
+<p:sld xmlns:a="http://schemas.openxmlformats.org/drawingml/2006/main" xmlns:r="http://schemas.openxmlformats.org/officeDocument/2006/relationships" xmlns:p="http://schemas.openxmlformats.org/presentationml/2006/main">
+  <p:cSld>
+    <p:spTree>
+      <p:nvGrpSpPr>
+        <p:cNvPr id="1" name=""/>
+        <p:cNvGrpSpPr/>
+        <p:nvPr/>
+      </p:nvGrpSpPr>
+      <p:grpSpPr>
+        <a:xfrm>
+          <a:off x="0" y="0"/>
+          <a:ext cx="0" cy="0"/>
+          <a:chOff x="0" y="0"/>
+          <a:chExt cx="0" cy="0"/>
+        </a:xfrm>
+      </p:grpSpPr>
+      <p:sp>
+        <p:nvSpPr>
+          <p:cNvPr id="2" name="Title 1">
+            <a:extLst>
+              <a:ext uri="{FF2B5EF4-FFF2-40B4-BE49-F238E27FC236}">
+                <a16:creationId xmlns:a16="http://schemas.microsoft.com/office/drawing/2014/main" id="{B006C791-0C4E-D255-E93C-8D9D08C5EA30}"/>
+              </a:ext>
+            </a:extLst>
+          </p:cNvPr>
+          <p:cNvSpPr>
+            <a:spLocks noGrp="1"/>
+          </p:cNvSpPr>
+          <p:nvPr>
+            <p:ph type="title"/>
+          </p:nvPr>
+        </p:nvSpPr>
+        <p:spPr/>
+        <p:txBody>
+          <a:bodyPr>
+            <a:normAutofit/>
+          </a:bodyPr>
+          <a:lstStyle/>
+          <a:p>
+            <a:r>
+              <a:rPr lang="en-IN" sz="2400" dirty="0">
+                <a:latin typeface="Times New Roman" panose="02020603050405020304" pitchFamily="18" charset="0"/>
+                <a:cs typeface="Times New Roman" panose="02020603050405020304" pitchFamily="18" charset="0"/>
+              </a:rPr>
+              <a:t>MODULE DESCRIPTION:</a:t>
+            </a:r>
+          </a:p>
+        </p:txBody>
+      </p:sp>
+      <p:sp>
+        <p:nvSpPr>
+          <p:cNvPr id="3" name="Content Placeholder 2">
+            <a:extLst>
+              <a:ext uri="{FF2B5EF4-FFF2-40B4-BE49-F238E27FC236}">
+                <a16:creationId xmlns:a16="http://schemas.microsoft.com/office/drawing/2014/main" id="{9B82C33B-639B-FF81-094D-AFD7DDB1522E}"/>
+              </a:ext>
+            </a:extLst>
+          </p:cNvPr>
+          <p:cNvSpPr>
+            <a:spLocks noGrp="1"/>
+          </p:cNvSpPr>
+          <p:nvPr>
+            <p:ph idx="1"/>
+          </p:nvPr>
+        </p:nvSpPr>
+        <p:spPr/>
+        <p:txBody>
+          <a:bodyPr>
+            <a:normAutofit/>
+          </a:bodyPr>
+          <a:lstStyle/>
+          <a:p>
+            <a:r>
+              <a:rPr lang="en-IN" sz="2000" b="1" dirty="0">
+                <a:latin typeface="Times New Roman" panose="02020603050405020304" pitchFamily="18" charset="0"/>
+                <a:cs typeface="Times New Roman" panose="02020603050405020304" pitchFamily="18" charset="0"/>
+              </a:rPr>
+              <a:t>User Registration Module:</a:t>
+            </a:r>
+          </a:p>
+          <a:p>
+            <a:pPr>
+              <a:buFont typeface="Wingdings" panose="05000000000000000000" pitchFamily="2" charset="2"/>
+              <a:buChar char="Ø"/>
+            </a:pPr>
+            <a:r>
+              <a:rPr lang="en-IN" sz="2000" dirty="0">
+                <a:latin typeface="Times New Roman" panose="02020603050405020304" pitchFamily="18" charset="0"/>
+                <a:cs typeface="Times New Roman" panose="02020603050405020304" pitchFamily="18" charset="0"/>
+              </a:rPr>
+              <a:t>The Employee Registration lets employee to register their details in the company’s portal.</a:t>
+            </a:r>
+          </a:p>
+          <a:p>
+            <a:pPr>
+              <a:buFont typeface="Wingdings" panose="05000000000000000000" pitchFamily="2" charset="2"/>
+              <a:buChar char="Ø"/>
+            </a:pPr>
+            <a:r>
+              <a:rPr lang="en-IN" sz="2000" dirty="0">
+                <a:latin typeface="Times New Roman" panose="02020603050405020304" pitchFamily="18" charset="0"/>
+                <a:cs typeface="Times New Roman" panose="02020603050405020304" pitchFamily="18" charset="0"/>
+              </a:rPr>
+              <a:t>The admin will maintain the registered details for further purposes.</a:t>
+            </a:r>
+          </a:p>
+          <a:p>
+            <a:pPr>
+              <a:buFont typeface="Wingdings" panose="05000000000000000000" pitchFamily="2" charset="2"/>
+              <a:buChar char="Ø"/>
+            </a:pPr>
+            <a:r>
+              <a:rPr lang="en-IN" sz="2000" dirty="0">
+                <a:latin typeface="Times New Roman" panose="02020603050405020304" pitchFamily="18" charset="0"/>
+                <a:cs typeface="Times New Roman" panose="02020603050405020304" pitchFamily="18" charset="0"/>
+              </a:rPr>
+              <a:t>The user will enter details like name, Date of Birth, Gender, Phone Number, Address, email id, Designation, Country, City and Password.</a:t>
+            </a:r>
+          </a:p>
+          <a:p>
+            <a:pPr>
+              <a:buFont typeface="Wingdings" panose="05000000000000000000" pitchFamily="2" charset="2"/>
+              <a:buChar char="Ø"/>
+            </a:pPr>
+            <a:r>
+              <a:rPr lang="en-IN" sz="2000" dirty="0">
+                <a:latin typeface="Times New Roman" panose="02020603050405020304" pitchFamily="18" charset="0"/>
+                <a:cs typeface="Times New Roman" panose="02020603050405020304" pitchFamily="18" charset="0"/>
+              </a:rPr>
+              <a:t>After entering these details, the employee can register their new account.</a:t>
+            </a:r>
+          </a:p>
+          <a:p>
+            <a:pPr>
+              <a:buFont typeface="Wingdings" panose="05000000000000000000" pitchFamily="2" charset="2"/>
+              <a:buChar char="Ø"/>
+            </a:pPr>
+            <a:r>
+              <a:rPr lang="en-IN" sz="2000" dirty="0">
+                <a:latin typeface="Times New Roman" panose="02020603050405020304" pitchFamily="18" charset="0"/>
+                <a:cs typeface="Times New Roman" panose="02020603050405020304" pitchFamily="18" charset="0"/>
+              </a:rPr>
+              <a:t>After successful registration, will receive a popup stating “Employee Added Successfully”.</a:t>
+            </a:r>
+          </a:p>
+          <a:p>
+            <a:pPr>
+              <a:buFont typeface="Wingdings" panose="05000000000000000000" pitchFamily="2" charset="2"/>
+              <a:buChar char="Ø"/>
+            </a:pPr>
+            <a:endParaRPr lang="en-IN" sz="2000" dirty="0">
+              <a:latin typeface="Times New Roman" panose="02020603050405020304" pitchFamily="18" charset="0"/>
+              <a:cs typeface="Times New Roman" panose="02020603050405020304" pitchFamily="18" charset="0"/>
+            </a:endParaRPr>
+          </a:p>
+        </p:txBody>
+      </p:sp>
+    </p:spTree>
+    <p:extLst>
+      <p:ext uri="{BB962C8B-B14F-4D97-AF65-F5344CB8AC3E}">
+        <p14:creationId xmlns:p14="http://schemas.microsoft.com/office/powerpoint/2010/main" val="3006867287"/>
+      </p:ext>
+    </p:extLst>
+  </p:cSld>
+  <p:clrMapOvr>
+    <a:masterClrMapping/>
+  </p:clrMapOvr>
+</p:sld>
+</file>
+
+<file path=ppt/slides/slide12.xml><?xml version="1.0" encoding="utf-8"?>
+<p:sld xmlns:a="http://schemas.openxmlformats.org/drawingml/2006/main" xmlns:r="http://schemas.openxmlformats.org/officeDocument/2006/relationships" xmlns:p="http://schemas.openxmlformats.org/presentationml/2006/main">
+  <p:cSld>
+    <p:spTree>
+      <p:nvGrpSpPr>
+        <p:cNvPr id="1" name=""/>
+        <p:cNvGrpSpPr/>
+        <p:nvPr/>
+      </p:nvGrpSpPr>
+      <p:grpSpPr>
+        <a:xfrm>
+          <a:off x="0" y="0"/>
+          <a:ext cx="0" cy="0"/>
+          <a:chOff x="0" y="0"/>
+          <a:chExt cx="0" cy="0"/>
+        </a:xfrm>
+      </p:grpSpPr>
+      <p:sp>
+        <p:nvSpPr>
+          <p:cNvPr id="2" name="Title 1">
+            <a:extLst>
+              <a:ext uri="{FF2B5EF4-FFF2-40B4-BE49-F238E27FC236}">
                 <a16:creationId xmlns:a16="http://schemas.microsoft.com/office/drawing/2014/main" id="{B006C791-0C4E-D255-E93C-8D9D08C5EA30}"/>
               </a:ext>
             </a:extLst>
@@ -8918,7 +9675,7 @@
 </p:sld>
 </file>
 
-<file path=ppt/slides/slide11.xml><?xml version="1.0" encoding="utf-8"?>
+<file path=ppt/slides/slide13.xml><?xml version="1.0" encoding="utf-8"?>
 <p:sld xmlns:a="http://schemas.openxmlformats.org/drawingml/2006/main" xmlns:r="http://schemas.openxmlformats.org/officeDocument/2006/relationships" xmlns:p="http://schemas.openxmlformats.org/presentationml/2006/main">
   <p:cSld>
     <p:spTree>
@@ -9079,7 +9836,7 @@
 </p:sld>
 </file>
 
-<file path=ppt/slides/slide12.xml><?xml version="1.0" encoding="utf-8"?>
+<file path=ppt/slides/slide14.xml><?xml version="1.0" encoding="utf-8"?>
 <p:sld xmlns:a="http://schemas.openxmlformats.org/drawingml/2006/main" xmlns:r="http://schemas.openxmlformats.org/officeDocument/2006/relationships" xmlns:p="http://schemas.openxmlformats.org/presentationml/2006/main">
   <p:cSld>
     <p:spTree>
@@ -9171,7 +9928,7 @@
 </p:sld>
 </file>
 
-<file path=ppt/slides/slide13.xml><?xml version="1.0" encoding="utf-8"?>
+<file path=ppt/slides/slide15.xml><?xml version="1.0" encoding="utf-8"?>
 <p:sld xmlns:a="http://schemas.openxmlformats.org/drawingml/2006/main" xmlns:r="http://schemas.openxmlformats.org/officeDocument/2006/relationships" xmlns:p="http://schemas.openxmlformats.org/presentationml/2006/main">
   <p:cSld>
     <p:spTree>
@@ -9332,7 +10089,7 @@
 </p:sld>
 </file>
 
-<file path=ppt/slides/slide14.xml><?xml version="1.0" encoding="utf-8"?>
+<file path=ppt/slides/slide16.xml><?xml version="1.0" encoding="utf-8"?>
 <p:sld xmlns:a="http://schemas.openxmlformats.org/drawingml/2006/main" xmlns:r="http://schemas.openxmlformats.org/officeDocument/2006/relationships" xmlns:p="http://schemas.openxmlformats.org/presentationml/2006/main">
   <p:cSld>
     <p:spTree>
@@ -9424,7 +10181,7 @@
 </p:sld>
 </file>
 
-<file path=ppt/slides/slide15.xml><?xml version="1.0" encoding="utf-8"?>
+<file path=ppt/slides/slide17.xml><?xml version="1.0" encoding="utf-8"?>
 <p:sld xmlns:a="http://schemas.openxmlformats.org/drawingml/2006/main" xmlns:r="http://schemas.openxmlformats.org/officeDocument/2006/relationships" xmlns:p="http://schemas.openxmlformats.org/presentationml/2006/main">
   <p:cSld>
     <p:spTree>
@@ -9612,7 +10369,7 @@
 </p:sld>
 </file>
 
-<file path=ppt/slides/slide16.xml><?xml version="1.0" encoding="utf-8"?>
+<file path=ppt/slides/slide18.xml><?xml version="1.0" encoding="utf-8"?>
 <p:sld xmlns:a="http://schemas.openxmlformats.org/drawingml/2006/main" xmlns:r="http://schemas.openxmlformats.org/officeDocument/2006/relationships" xmlns:p="http://schemas.openxmlformats.org/presentationml/2006/main">
   <p:cSld>
     <p:bg>
@@ -9831,7 +10588,7 @@
 </p:sld>
 </file>
 
-<file path=ppt/slides/slide17.xml><?xml version="1.0" encoding="utf-8"?>
+<file path=ppt/slides/slide19.xml><?xml version="1.0" encoding="utf-8"?>
 <p:sld xmlns:a="http://schemas.openxmlformats.org/drawingml/2006/main" xmlns:r="http://schemas.openxmlformats.org/officeDocument/2006/relationships" xmlns:p="http://schemas.openxmlformats.org/presentationml/2006/main">
   <p:cSld>
     <p:spTree>
@@ -9984,280 +10741,6 @@
     <p:extLst>
       <p:ext uri="{BB962C8B-B14F-4D97-AF65-F5344CB8AC3E}">
         <p14:creationId xmlns:p14="http://schemas.microsoft.com/office/powerpoint/2010/main" val="2991039436"/>
-      </p:ext>
-    </p:extLst>
-  </p:cSld>
-  <p:clrMapOvr>
-    <a:masterClrMapping/>
-  </p:clrMapOvr>
-</p:sld>
-</file>
-
-<file path=ppt/slides/slide18.xml><?xml version="1.0" encoding="utf-8"?>
-<p:sld xmlns:a="http://schemas.openxmlformats.org/drawingml/2006/main" xmlns:r="http://schemas.openxmlformats.org/officeDocument/2006/relationships" xmlns:p="http://schemas.openxmlformats.org/presentationml/2006/main">
-  <p:cSld>
-    <p:spTree>
-      <p:nvGrpSpPr>
-        <p:cNvPr id="1" name=""/>
-        <p:cNvGrpSpPr/>
-        <p:nvPr/>
-      </p:nvGrpSpPr>
-      <p:grpSpPr>
-        <a:xfrm>
-          <a:off x="0" y="0"/>
-          <a:ext cx="0" cy="0"/>
-          <a:chOff x="0" y="0"/>
-          <a:chExt cx="0" cy="0"/>
-        </a:xfrm>
-      </p:grpSpPr>
-      <p:sp>
-        <p:nvSpPr>
-          <p:cNvPr id="2" name="Title 1">
-            <a:extLst>
-              <a:ext uri="{FF2B5EF4-FFF2-40B4-BE49-F238E27FC236}">
-                <a16:creationId xmlns:a16="http://schemas.microsoft.com/office/drawing/2014/main" id="{936CF516-B9C1-1B8F-544F-83AF6952F582}"/>
-              </a:ext>
-            </a:extLst>
-          </p:cNvPr>
-          <p:cNvSpPr>
-            <a:spLocks noGrp="1"/>
-          </p:cNvSpPr>
-          <p:nvPr>
-            <p:ph type="title"/>
-          </p:nvPr>
-        </p:nvSpPr>
-        <p:spPr/>
-        <p:txBody>
-          <a:bodyPr>
-            <a:normAutofit/>
-          </a:bodyPr>
-          <a:lstStyle/>
-          <a:p>
-            <a:r>
-              <a:rPr lang="en-US" sz="2400" dirty="0">
-                <a:latin typeface="Times New Roman" panose="02020603050405020304" pitchFamily="18" charset="0"/>
-                <a:cs typeface="Times New Roman" panose="02020603050405020304" pitchFamily="18" charset="0"/>
-              </a:rPr>
-              <a:t>MODULE Screenshot</a:t>
-            </a:r>
-            <a:endParaRPr lang="en-IN" sz="2400" dirty="0">
-              <a:latin typeface="Times New Roman" panose="02020603050405020304" pitchFamily="18" charset="0"/>
-              <a:cs typeface="Times New Roman" panose="02020603050405020304" pitchFamily="18" charset="0"/>
-            </a:endParaRPr>
-          </a:p>
-        </p:txBody>
-      </p:sp>
-      <p:pic>
-        <p:nvPicPr>
-          <p:cNvPr id="5" name="Content Placeholder 4" descr="A screenshot of a computer&#10;&#10;Description automatically generated">
-            <a:extLst>
-              <a:ext uri="{FF2B5EF4-FFF2-40B4-BE49-F238E27FC236}">
-                <a16:creationId xmlns:a16="http://schemas.microsoft.com/office/drawing/2014/main" id="{6DD94361-81CF-62D3-D125-12705C3EC7BA}"/>
-              </a:ext>
-            </a:extLst>
-          </p:cNvPr>
-          <p:cNvPicPr>
-            <a:picLocks noGrp="1" noChangeAspect="1"/>
-          </p:cNvPicPr>
-          <p:nvPr>
-            <p:ph idx="1"/>
-          </p:nvPr>
-        </p:nvPicPr>
-        <p:blipFill>
-          <a:blip r:embed="rId2"/>
-          <a:stretch>
-            <a:fillRect/>
-          </a:stretch>
-        </p:blipFill>
-        <p:spPr>
-          <a:xfrm>
-            <a:off x="2018288" y="1905000"/>
-            <a:ext cx="8497311" cy="4779738"/>
-          </a:xfrm>
-        </p:spPr>
-      </p:pic>
-    </p:spTree>
-    <p:extLst>
-      <p:ext uri="{BB962C8B-B14F-4D97-AF65-F5344CB8AC3E}">
-        <p14:creationId xmlns:p14="http://schemas.microsoft.com/office/powerpoint/2010/main" val="2249913356"/>
-      </p:ext>
-    </p:extLst>
-  </p:cSld>
-  <p:clrMapOvr>
-    <a:masterClrMapping/>
-  </p:clrMapOvr>
-</p:sld>
-</file>
-
-<file path=ppt/slides/slide19.xml><?xml version="1.0" encoding="utf-8"?>
-<p:sld xmlns:a="http://schemas.openxmlformats.org/drawingml/2006/main" xmlns:r="http://schemas.openxmlformats.org/officeDocument/2006/relationships" xmlns:p="http://schemas.openxmlformats.org/presentationml/2006/main">
-  <p:cSld>
-    <p:spTree>
-      <p:nvGrpSpPr>
-        <p:cNvPr id="1" name=""/>
-        <p:cNvGrpSpPr/>
-        <p:nvPr/>
-      </p:nvGrpSpPr>
-      <p:grpSpPr>
-        <a:xfrm>
-          <a:off x="0" y="0"/>
-          <a:ext cx="0" cy="0"/>
-          <a:chOff x="0" y="0"/>
-          <a:chExt cx="0" cy="0"/>
-        </a:xfrm>
-      </p:grpSpPr>
-      <p:sp>
-        <p:nvSpPr>
-          <p:cNvPr id="2" name="Title 1">
-            <a:extLst>
-              <a:ext uri="{FF2B5EF4-FFF2-40B4-BE49-F238E27FC236}">
-                <a16:creationId xmlns:a16="http://schemas.microsoft.com/office/drawing/2014/main" id="{8191F01E-1299-EB3A-DDBC-317EB83BFC12}"/>
-              </a:ext>
-            </a:extLst>
-          </p:cNvPr>
-          <p:cNvSpPr>
-            <a:spLocks noGrp="1"/>
-          </p:cNvSpPr>
-          <p:nvPr>
-            <p:ph type="title"/>
-          </p:nvPr>
-        </p:nvSpPr>
-        <p:spPr/>
-        <p:txBody>
-          <a:bodyPr>
-            <a:normAutofit/>
-          </a:bodyPr>
-          <a:lstStyle/>
-          <a:p>
-            <a:r>
-              <a:rPr lang="en-IN" sz="2400" dirty="0">
-                <a:latin typeface="Times New Roman" panose="02020603050405020304" pitchFamily="18" charset="0"/>
-                <a:cs typeface="Times New Roman" panose="02020603050405020304" pitchFamily="18" charset="0"/>
-              </a:rPr>
-              <a:t>MODULE DESCRIPTION:</a:t>
-            </a:r>
-            <a:br>
-              <a:rPr lang="en-IN" sz="2400" dirty="0">
-                <a:latin typeface="Times New Roman" panose="02020603050405020304" pitchFamily="18" charset="0"/>
-                <a:cs typeface="Times New Roman" panose="02020603050405020304" pitchFamily="18" charset="0"/>
-              </a:rPr>
-            </a:br>
-            <a:endParaRPr lang="en-IN" sz="2400" dirty="0">
-              <a:latin typeface="Times New Roman" panose="02020603050405020304" pitchFamily="18" charset="0"/>
-              <a:cs typeface="Times New Roman" panose="02020603050405020304" pitchFamily="18" charset="0"/>
-            </a:endParaRPr>
-          </a:p>
-        </p:txBody>
-      </p:sp>
-      <p:sp>
-        <p:nvSpPr>
-          <p:cNvPr id="3" name="Content Placeholder 2">
-            <a:extLst>
-              <a:ext uri="{FF2B5EF4-FFF2-40B4-BE49-F238E27FC236}">
-                <a16:creationId xmlns:a16="http://schemas.microsoft.com/office/drawing/2014/main" id="{D95AA7ED-03CE-4720-9E7A-E63952A57E76}"/>
-              </a:ext>
-            </a:extLst>
-          </p:cNvPr>
-          <p:cNvSpPr>
-            <a:spLocks noGrp="1"/>
-          </p:cNvSpPr>
-          <p:nvPr>
-            <p:ph idx="1"/>
-          </p:nvPr>
-        </p:nvSpPr>
-        <p:spPr/>
-        <p:txBody>
-          <a:bodyPr>
-            <a:normAutofit/>
-          </a:bodyPr>
-          <a:lstStyle/>
-          <a:p>
-            <a:r>
-              <a:rPr lang="en-IN" sz="2000" b="1" dirty="0">
-                <a:latin typeface="Times New Roman" panose="02020603050405020304" pitchFamily="18" charset="0"/>
-                <a:cs typeface="Times New Roman" panose="02020603050405020304" pitchFamily="18" charset="0"/>
-              </a:rPr>
-              <a:t>Admin Employee Dashboard:</a:t>
-            </a:r>
-          </a:p>
-          <a:p>
-            <a:pPr>
-              <a:buFont typeface="Wingdings" panose="05000000000000000000" pitchFamily="2" charset="2"/>
-              <a:buChar char="Ø"/>
-            </a:pPr>
-            <a:r>
-              <a:rPr lang="en-IN" sz="2000" dirty="0">
-                <a:latin typeface="Times New Roman" panose="02020603050405020304" pitchFamily="18" charset="0"/>
-                <a:cs typeface="Times New Roman" panose="02020603050405020304" pitchFamily="18" charset="0"/>
-              </a:rPr>
-              <a:t>The Admin Employee Dashboard is handled by admin for adding, deleting and editing the employee details.</a:t>
-            </a:r>
-          </a:p>
-          <a:p>
-            <a:pPr>
-              <a:buFont typeface="Wingdings" panose="05000000000000000000" pitchFamily="2" charset="2"/>
-              <a:buChar char="Ø"/>
-            </a:pPr>
-            <a:r>
-              <a:rPr lang="en-IN" sz="2000" dirty="0">
-                <a:latin typeface="Times New Roman" panose="02020603050405020304" pitchFamily="18" charset="0"/>
-                <a:cs typeface="Times New Roman" panose="02020603050405020304" pitchFamily="18" charset="0"/>
-              </a:rPr>
-              <a:t>The Admin can navigate to Employee, Salary, Leave and Attendance dashboard for the user’s data.</a:t>
-            </a:r>
-          </a:p>
-          <a:p>
-            <a:pPr>
-              <a:buFont typeface="Wingdings" panose="05000000000000000000" pitchFamily="2" charset="2"/>
-              <a:buChar char="Ø"/>
-            </a:pPr>
-            <a:r>
-              <a:rPr lang="en-IN" sz="2000" dirty="0">
-                <a:latin typeface="Times New Roman" panose="02020603050405020304" pitchFamily="18" charset="0"/>
-                <a:cs typeface="Times New Roman" panose="02020603050405020304" pitchFamily="18" charset="0"/>
-              </a:rPr>
-              <a:t>If the Admin causes any changes to the data of a employee, it reflects on the User Side also. </a:t>
-            </a:r>
-          </a:p>
-          <a:p>
-            <a:pPr>
-              <a:buFont typeface="Wingdings" panose="05000000000000000000" pitchFamily="2" charset="2"/>
-              <a:buChar char="Ø"/>
-            </a:pPr>
-            <a:r>
-              <a:rPr lang="en-IN" sz="2000" dirty="0">
-                <a:latin typeface="Times New Roman" panose="02020603050405020304" pitchFamily="18" charset="0"/>
-                <a:cs typeface="Times New Roman" panose="02020603050405020304" pitchFamily="18" charset="0"/>
-              </a:rPr>
-              <a:t>Adding new employee will ask some details like Empid, Name, Mobile, Email, Gender, Date of Birth, Date of joining, Password, Designation, Role and Schedule.</a:t>
-            </a:r>
-          </a:p>
-          <a:p>
-            <a:pPr>
-              <a:buFont typeface="Wingdings" panose="05000000000000000000" pitchFamily="2" charset="2"/>
-              <a:buChar char="Ø"/>
-            </a:pPr>
-            <a:endParaRPr lang="en-IN" sz="2000" dirty="0">
-              <a:latin typeface="Times New Roman" panose="02020603050405020304" pitchFamily="18" charset="0"/>
-              <a:cs typeface="Times New Roman" panose="02020603050405020304" pitchFamily="18" charset="0"/>
-            </a:endParaRPr>
-          </a:p>
-          <a:p>
-            <a:pPr>
-              <a:buFont typeface="Wingdings" panose="05000000000000000000" pitchFamily="2" charset="2"/>
-              <a:buChar char="Ø"/>
-            </a:pPr>
-            <a:endParaRPr lang="en-IN" sz="2000" b="1" dirty="0">
-              <a:latin typeface="Times New Roman" panose="02020603050405020304" pitchFamily="18" charset="0"/>
-              <a:cs typeface="Times New Roman" panose="02020603050405020304" pitchFamily="18" charset="0"/>
-            </a:endParaRPr>
-          </a:p>
-        </p:txBody>
-      </p:sp>
-    </p:spTree>
-    <p:extLst>
-      <p:ext uri="{BB962C8B-B14F-4D97-AF65-F5344CB8AC3E}">
-        <p14:creationId xmlns:p14="http://schemas.microsoft.com/office/powerpoint/2010/main" val="1424374056"/>
       </p:ext>
     </p:extLst>
   </p:cSld>
@@ -10479,6 +10962,280 @@
 </file>
 
 <file path=ppt/slides/slide20.xml><?xml version="1.0" encoding="utf-8"?>
+<p:sld xmlns:a="http://schemas.openxmlformats.org/drawingml/2006/main" xmlns:r="http://schemas.openxmlformats.org/officeDocument/2006/relationships" xmlns:p="http://schemas.openxmlformats.org/presentationml/2006/main">
+  <p:cSld>
+    <p:spTree>
+      <p:nvGrpSpPr>
+        <p:cNvPr id="1" name=""/>
+        <p:cNvGrpSpPr/>
+        <p:nvPr/>
+      </p:nvGrpSpPr>
+      <p:grpSpPr>
+        <a:xfrm>
+          <a:off x="0" y="0"/>
+          <a:ext cx="0" cy="0"/>
+          <a:chOff x="0" y="0"/>
+          <a:chExt cx="0" cy="0"/>
+        </a:xfrm>
+      </p:grpSpPr>
+      <p:sp>
+        <p:nvSpPr>
+          <p:cNvPr id="2" name="Title 1">
+            <a:extLst>
+              <a:ext uri="{FF2B5EF4-FFF2-40B4-BE49-F238E27FC236}">
+                <a16:creationId xmlns:a16="http://schemas.microsoft.com/office/drawing/2014/main" id="{936CF516-B9C1-1B8F-544F-83AF6952F582}"/>
+              </a:ext>
+            </a:extLst>
+          </p:cNvPr>
+          <p:cNvSpPr>
+            <a:spLocks noGrp="1"/>
+          </p:cNvSpPr>
+          <p:nvPr>
+            <p:ph type="title"/>
+          </p:nvPr>
+        </p:nvSpPr>
+        <p:spPr/>
+        <p:txBody>
+          <a:bodyPr>
+            <a:normAutofit/>
+          </a:bodyPr>
+          <a:lstStyle/>
+          <a:p>
+            <a:r>
+              <a:rPr lang="en-US" sz="2400" dirty="0">
+                <a:latin typeface="Times New Roman" panose="02020603050405020304" pitchFamily="18" charset="0"/>
+                <a:cs typeface="Times New Roman" panose="02020603050405020304" pitchFamily="18" charset="0"/>
+              </a:rPr>
+              <a:t>MODULE Screenshot</a:t>
+            </a:r>
+            <a:endParaRPr lang="en-IN" sz="2400" dirty="0">
+              <a:latin typeface="Times New Roman" panose="02020603050405020304" pitchFamily="18" charset="0"/>
+              <a:cs typeface="Times New Roman" panose="02020603050405020304" pitchFamily="18" charset="0"/>
+            </a:endParaRPr>
+          </a:p>
+        </p:txBody>
+      </p:sp>
+      <p:pic>
+        <p:nvPicPr>
+          <p:cNvPr id="5" name="Content Placeholder 4" descr="A screenshot of a computer&#10;&#10;Description automatically generated">
+            <a:extLst>
+              <a:ext uri="{FF2B5EF4-FFF2-40B4-BE49-F238E27FC236}">
+                <a16:creationId xmlns:a16="http://schemas.microsoft.com/office/drawing/2014/main" id="{6DD94361-81CF-62D3-D125-12705C3EC7BA}"/>
+              </a:ext>
+            </a:extLst>
+          </p:cNvPr>
+          <p:cNvPicPr>
+            <a:picLocks noGrp="1" noChangeAspect="1"/>
+          </p:cNvPicPr>
+          <p:nvPr>
+            <p:ph idx="1"/>
+          </p:nvPr>
+        </p:nvPicPr>
+        <p:blipFill>
+          <a:blip r:embed="rId2"/>
+          <a:stretch>
+            <a:fillRect/>
+          </a:stretch>
+        </p:blipFill>
+        <p:spPr>
+          <a:xfrm>
+            <a:off x="2018288" y="1905000"/>
+            <a:ext cx="8497311" cy="4779738"/>
+          </a:xfrm>
+        </p:spPr>
+      </p:pic>
+    </p:spTree>
+    <p:extLst>
+      <p:ext uri="{BB962C8B-B14F-4D97-AF65-F5344CB8AC3E}">
+        <p14:creationId xmlns:p14="http://schemas.microsoft.com/office/powerpoint/2010/main" val="2249913356"/>
+      </p:ext>
+    </p:extLst>
+  </p:cSld>
+  <p:clrMapOvr>
+    <a:masterClrMapping/>
+  </p:clrMapOvr>
+</p:sld>
+</file>
+
+<file path=ppt/slides/slide21.xml><?xml version="1.0" encoding="utf-8"?>
+<p:sld xmlns:a="http://schemas.openxmlformats.org/drawingml/2006/main" xmlns:r="http://schemas.openxmlformats.org/officeDocument/2006/relationships" xmlns:p="http://schemas.openxmlformats.org/presentationml/2006/main">
+  <p:cSld>
+    <p:spTree>
+      <p:nvGrpSpPr>
+        <p:cNvPr id="1" name=""/>
+        <p:cNvGrpSpPr/>
+        <p:nvPr/>
+      </p:nvGrpSpPr>
+      <p:grpSpPr>
+        <a:xfrm>
+          <a:off x="0" y="0"/>
+          <a:ext cx="0" cy="0"/>
+          <a:chOff x="0" y="0"/>
+          <a:chExt cx="0" cy="0"/>
+        </a:xfrm>
+      </p:grpSpPr>
+      <p:sp>
+        <p:nvSpPr>
+          <p:cNvPr id="2" name="Title 1">
+            <a:extLst>
+              <a:ext uri="{FF2B5EF4-FFF2-40B4-BE49-F238E27FC236}">
+                <a16:creationId xmlns:a16="http://schemas.microsoft.com/office/drawing/2014/main" id="{8191F01E-1299-EB3A-DDBC-317EB83BFC12}"/>
+              </a:ext>
+            </a:extLst>
+          </p:cNvPr>
+          <p:cNvSpPr>
+            <a:spLocks noGrp="1"/>
+          </p:cNvSpPr>
+          <p:nvPr>
+            <p:ph type="title"/>
+          </p:nvPr>
+        </p:nvSpPr>
+        <p:spPr/>
+        <p:txBody>
+          <a:bodyPr>
+            <a:normAutofit/>
+          </a:bodyPr>
+          <a:lstStyle/>
+          <a:p>
+            <a:r>
+              <a:rPr lang="en-IN" sz="2400" dirty="0">
+                <a:latin typeface="Times New Roman" panose="02020603050405020304" pitchFamily="18" charset="0"/>
+                <a:cs typeface="Times New Roman" panose="02020603050405020304" pitchFamily="18" charset="0"/>
+              </a:rPr>
+              <a:t>MODULE DESCRIPTION:</a:t>
+            </a:r>
+            <a:br>
+              <a:rPr lang="en-IN" sz="2400" dirty="0">
+                <a:latin typeface="Times New Roman" panose="02020603050405020304" pitchFamily="18" charset="0"/>
+                <a:cs typeface="Times New Roman" panose="02020603050405020304" pitchFamily="18" charset="0"/>
+              </a:rPr>
+            </a:br>
+            <a:endParaRPr lang="en-IN" sz="2400" dirty="0">
+              <a:latin typeface="Times New Roman" panose="02020603050405020304" pitchFamily="18" charset="0"/>
+              <a:cs typeface="Times New Roman" panose="02020603050405020304" pitchFamily="18" charset="0"/>
+            </a:endParaRPr>
+          </a:p>
+        </p:txBody>
+      </p:sp>
+      <p:sp>
+        <p:nvSpPr>
+          <p:cNvPr id="3" name="Content Placeholder 2">
+            <a:extLst>
+              <a:ext uri="{FF2B5EF4-FFF2-40B4-BE49-F238E27FC236}">
+                <a16:creationId xmlns:a16="http://schemas.microsoft.com/office/drawing/2014/main" id="{D95AA7ED-03CE-4720-9E7A-E63952A57E76}"/>
+              </a:ext>
+            </a:extLst>
+          </p:cNvPr>
+          <p:cNvSpPr>
+            <a:spLocks noGrp="1"/>
+          </p:cNvSpPr>
+          <p:nvPr>
+            <p:ph idx="1"/>
+          </p:nvPr>
+        </p:nvSpPr>
+        <p:spPr/>
+        <p:txBody>
+          <a:bodyPr>
+            <a:normAutofit/>
+          </a:bodyPr>
+          <a:lstStyle/>
+          <a:p>
+            <a:r>
+              <a:rPr lang="en-IN" sz="2000" b="1" dirty="0">
+                <a:latin typeface="Times New Roman" panose="02020603050405020304" pitchFamily="18" charset="0"/>
+                <a:cs typeface="Times New Roman" panose="02020603050405020304" pitchFamily="18" charset="0"/>
+              </a:rPr>
+              <a:t>Admin Employee Dashboard:</a:t>
+            </a:r>
+          </a:p>
+          <a:p>
+            <a:pPr>
+              <a:buFont typeface="Wingdings" panose="05000000000000000000" pitchFamily="2" charset="2"/>
+              <a:buChar char="Ø"/>
+            </a:pPr>
+            <a:r>
+              <a:rPr lang="en-IN" sz="2000" dirty="0">
+                <a:latin typeface="Times New Roman" panose="02020603050405020304" pitchFamily="18" charset="0"/>
+                <a:cs typeface="Times New Roman" panose="02020603050405020304" pitchFamily="18" charset="0"/>
+              </a:rPr>
+              <a:t>The Admin Employee Dashboard is handled by admin for adding, deleting and editing the employee details.</a:t>
+            </a:r>
+          </a:p>
+          <a:p>
+            <a:pPr>
+              <a:buFont typeface="Wingdings" panose="05000000000000000000" pitchFamily="2" charset="2"/>
+              <a:buChar char="Ø"/>
+            </a:pPr>
+            <a:r>
+              <a:rPr lang="en-IN" sz="2000" dirty="0">
+                <a:latin typeface="Times New Roman" panose="02020603050405020304" pitchFamily="18" charset="0"/>
+                <a:cs typeface="Times New Roman" panose="02020603050405020304" pitchFamily="18" charset="0"/>
+              </a:rPr>
+              <a:t>The Admin can navigate to Employee, Salary, Leave and Attendance dashboard for the user’s data.</a:t>
+            </a:r>
+          </a:p>
+          <a:p>
+            <a:pPr>
+              <a:buFont typeface="Wingdings" panose="05000000000000000000" pitchFamily="2" charset="2"/>
+              <a:buChar char="Ø"/>
+            </a:pPr>
+            <a:r>
+              <a:rPr lang="en-IN" sz="2000" dirty="0">
+                <a:latin typeface="Times New Roman" panose="02020603050405020304" pitchFamily="18" charset="0"/>
+                <a:cs typeface="Times New Roman" panose="02020603050405020304" pitchFamily="18" charset="0"/>
+              </a:rPr>
+              <a:t>If the Admin causes any changes to the data of a employee, it reflects on the User Side also. </a:t>
+            </a:r>
+          </a:p>
+          <a:p>
+            <a:pPr>
+              <a:buFont typeface="Wingdings" panose="05000000000000000000" pitchFamily="2" charset="2"/>
+              <a:buChar char="Ø"/>
+            </a:pPr>
+            <a:r>
+              <a:rPr lang="en-IN" sz="2000" dirty="0">
+                <a:latin typeface="Times New Roman" panose="02020603050405020304" pitchFamily="18" charset="0"/>
+                <a:cs typeface="Times New Roman" panose="02020603050405020304" pitchFamily="18" charset="0"/>
+              </a:rPr>
+              <a:t>Adding new employee will ask some details like Empid, Name, Mobile, Email, Gender, Date of Birth, Date of joining, Password, Designation, Role and Schedule.</a:t>
+            </a:r>
+          </a:p>
+          <a:p>
+            <a:pPr>
+              <a:buFont typeface="Wingdings" panose="05000000000000000000" pitchFamily="2" charset="2"/>
+              <a:buChar char="Ø"/>
+            </a:pPr>
+            <a:endParaRPr lang="en-IN" sz="2000" dirty="0">
+              <a:latin typeface="Times New Roman" panose="02020603050405020304" pitchFamily="18" charset="0"/>
+              <a:cs typeface="Times New Roman" panose="02020603050405020304" pitchFamily="18" charset="0"/>
+            </a:endParaRPr>
+          </a:p>
+          <a:p>
+            <a:pPr>
+              <a:buFont typeface="Wingdings" panose="05000000000000000000" pitchFamily="2" charset="2"/>
+              <a:buChar char="Ø"/>
+            </a:pPr>
+            <a:endParaRPr lang="en-IN" sz="2000" b="1" dirty="0">
+              <a:latin typeface="Times New Roman" panose="02020603050405020304" pitchFamily="18" charset="0"/>
+              <a:cs typeface="Times New Roman" panose="02020603050405020304" pitchFamily="18" charset="0"/>
+            </a:endParaRPr>
+          </a:p>
+        </p:txBody>
+      </p:sp>
+    </p:spTree>
+    <p:extLst>
+      <p:ext uri="{BB962C8B-B14F-4D97-AF65-F5344CB8AC3E}">
+        <p14:creationId xmlns:p14="http://schemas.microsoft.com/office/powerpoint/2010/main" val="1424374056"/>
+      </p:ext>
+    </p:extLst>
+  </p:cSld>
+  <p:clrMapOvr>
+    <a:masterClrMapping/>
+  </p:clrMapOvr>
+</p:sld>
+</file>
+
+<file path=ppt/slides/slide22.xml><?xml version="1.0" encoding="utf-8"?>
 <p:sld xmlns:a="http://schemas.openxmlformats.org/drawingml/2006/main" xmlns:r="http://schemas.openxmlformats.org/officeDocument/2006/relationships" xmlns:p="http://schemas.openxmlformats.org/presentationml/2006/main">
   <p:cSld>
     <p:bg>
@@ -11011,7 +11768,7 @@
 </p:sld>
 </file>
 
-<file path=ppt/slides/slide21.xml><?xml version="1.0" encoding="utf-8"?>
+<file path=ppt/slides/slide23.xml><?xml version="1.0" encoding="utf-8"?>
 <p:sld xmlns:a="http://schemas.openxmlformats.org/drawingml/2006/main" xmlns:r="http://schemas.openxmlformats.org/officeDocument/2006/relationships" xmlns:p="http://schemas.openxmlformats.org/presentationml/2006/main">
   <p:cSld>
     <p:spTree>
@@ -11178,7 +11935,7 @@
 </p:sld>
 </file>
 
-<file path=ppt/slides/slide22.xml><?xml version="1.0" encoding="utf-8"?>
+<file path=ppt/slides/slide24.xml><?xml version="1.0" encoding="utf-8"?>
 <p:sld xmlns:a="http://schemas.openxmlformats.org/drawingml/2006/main" xmlns:r="http://schemas.openxmlformats.org/officeDocument/2006/relationships" xmlns:p="http://schemas.openxmlformats.org/presentationml/2006/main">
   <p:cSld>
     <p:spTree>
@@ -11314,7 +12071,7 @@
 </p:sld>
 </file>
 
-<file path=ppt/slides/slide23.xml><?xml version="1.0" encoding="utf-8"?>
+<file path=ppt/slides/slide25.xml><?xml version="1.0" encoding="utf-8"?>
 <p:sld xmlns:a="http://schemas.openxmlformats.org/drawingml/2006/main" xmlns:r="http://schemas.openxmlformats.org/officeDocument/2006/relationships" xmlns:p="http://schemas.openxmlformats.org/presentationml/2006/main">
   <p:cSld>
     <p:spTree>
@@ -11489,7 +12246,7 @@
 </p:sld>
 </file>
 
-<file path=ppt/slides/slide24.xml><?xml version="1.0" encoding="utf-8"?>
+<file path=ppt/slides/slide26.xml><?xml version="1.0" encoding="utf-8"?>
 <p:sld xmlns:a="http://schemas.openxmlformats.org/drawingml/2006/main" xmlns:r="http://schemas.openxmlformats.org/officeDocument/2006/relationships" xmlns:p="http://schemas.openxmlformats.org/presentationml/2006/main">
   <p:cSld>
     <p:spTree>
@@ -11581,7 +12338,7 @@
 </p:sld>
 </file>
 
-<file path=ppt/slides/slide25.xml><?xml version="1.0" encoding="utf-8"?>
+<file path=ppt/slides/slide27.xml><?xml version="1.0" encoding="utf-8"?>
 <p:sld xmlns:a="http://schemas.openxmlformats.org/drawingml/2006/main" xmlns:r="http://schemas.openxmlformats.org/officeDocument/2006/relationships" xmlns:p="http://schemas.openxmlformats.org/presentationml/2006/main">
   <p:cSld>
     <p:spTree>
@@ -11749,7 +12506,7 @@
 </p:sld>
 </file>
 
-<file path=ppt/slides/slide26.xml><?xml version="1.0" encoding="utf-8"?>
+<file path=ppt/slides/slide28.xml><?xml version="1.0" encoding="utf-8"?>
 <p:sld xmlns:a="http://schemas.openxmlformats.org/drawingml/2006/main" xmlns:r="http://schemas.openxmlformats.org/officeDocument/2006/relationships" xmlns:p="http://schemas.openxmlformats.org/presentationml/2006/main">
   <p:cSld>
     <p:spTree>
@@ -11886,190 +12643,6 @@
 </p:sld>
 </file>
 
-<file path=ppt/slides/slide27.xml><?xml version="1.0" encoding="utf-8"?>
-<p:sld xmlns:a="http://schemas.openxmlformats.org/drawingml/2006/main" xmlns:r="http://schemas.openxmlformats.org/officeDocument/2006/relationships" xmlns:p="http://schemas.openxmlformats.org/presentationml/2006/main">
-  <p:cSld>
-    <p:spTree>
-      <p:nvGrpSpPr>
-        <p:cNvPr id="1" name=""/>
-        <p:cNvGrpSpPr/>
-        <p:nvPr/>
-      </p:nvGrpSpPr>
-      <p:grpSpPr>
-        <a:xfrm>
-          <a:off x="0" y="0"/>
-          <a:ext cx="0" cy="0"/>
-          <a:chOff x="0" y="0"/>
-          <a:chExt cx="0" cy="0"/>
-        </a:xfrm>
-      </p:grpSpPr>
-      <p:sp>
-        <p:nvSpPr>
-          <p:cNvPr id="2" name="Title 1">
-            <a:extLst>
-              <a:ext uri="{FF2B5EF4-FFF2-40B4-BE49-F238E27FC236}">
-                <a16:creationId xmlns:a16="http://schemas.microsoft.com/office/drawing/2014/main" id="{814AF03C-B4F6-0E80-2794-E71F40BC80D1}"/>
-              </a:ext>
-            </a:extLst>
-          </p:cNvPr>
-          <p:cNvSpPr>
-            <a:spLocks noGrp="1"/>
-          </p:cNvSpPr>
-          <p:nvPr>
-            <p:ph type="title"/>
-          </p:nvPr>
-        </p:nvSpPr>
-        <p:spPr/>
-        <p:txBody>
-          <a:bodyPr>
-            <a:normAutofit/>
-          </a:bodyPr>
-          <a:lstStyle/>
-          <a:p>
-            <a:r>
-              <a:rPr lang="en-IN" sz="2400" dirty="0">
-                <a:latin typeface="Times New Roman" panose="02020603050405020304" pitchFamily="18" charset="0"/>
-                <a:cs typeface="Times New Roman" panose="02020603050405020304" pitchFamily="18" charset="0"/>
-              </a:rPr>
-              <a:t>FLOWCHART DIAGRAM FOR USER:</a:t>
-            </a:r>
-          </a:p>
-        </p:txBody>
-      </p:sp>
-      <p:pic>
-        <p:nvPicPr>
-          <p:cNvPr id="7" name="Content Placeholder 6">
-            <a:extLst>
-              <a:ext uri="{FF2B5EF4-FFF2-40B4-BE49-F238E27FC236}">
-                <a16:creationId xmlns:a16="http://schemas.microsoft.com/office/drawing/2014/main" id="{095A6485-7FD3-F9EA-B7A9-7493D4ABF5A0}"/>
-              </a:ext>
-            </a:extLst>
-          </p:cNvPr>
-          <p:cNvPicPr>
-            <a:picLocks noGrp="1" noChangeAspect="1"/>
-          </p:cNvPicPr>
-          <p:nvPr>
-            <p:ph idx="1"/>
-          </p:nvPr>
-        </p:nvPicPr>
-        <p:blipFill>
-          <a:blip r:embed="rId2"/>
-          <a:stretch>
-            <a:fillRect/>
-          </a:stretch>
-        </p:blipFill>
-        <p:spPr>
-          <a:xfrm>
-            <a:off x="3149002" y="1263256"/>
-            <a:ext cx="5659290" cy="4970634"/>
-          </a:xfrm>
-        </p:spPr>
-      </p:pic>
-    </p:spTree>
-    <p:extLst>
-      <p:ext uri="{BB962C8B-B14F-4D97-AF65-F5344CB8AC3E}">
-        <p14:creationId xmlns:p14="http://schemas.microsoft.com/office/powerpoint/2010/main" val="2087974145"/>
-      </p:ext>
-    </p:extLst>
-  </p:cSld>
-  <p:clrMapOvr>
-    <a:masterClrMapping/>
-  </p:clrMapOvr>
-</p:sld>
-</file>
-
-<file path=ppt/slides/slide28.xml><?xml version="1.0" encoding="utf-8"?>
-<p:sld xmlns:a="http://schemas.openxmlformats.org/drawingml/2006/main" xmlns:r="http://schemas.openxmlformats.org/officeDocument/2006/relationships" xmlns:p="http://schemas.openxmlformats.org/presentationml/2006/main">
-  <p:cSld>
-    <p:spTree>
-      <p:nvGrpSpPr>
-        <p:cNvPr id="1" name=""/>
-        <p:cNvGrpSpPr/>
-        <p:nvPr/>
-      </p:nvGrpSpPr>
-      <p:grpSpPr>
-        <a:xfrm>
-          <a:off x="0" y="0"/>
-          <a:ext cx="0" cy="0"/>
-          <a:chOff x="0" y="0"/>
-          <a:chExt cx="0" cy="0"/>
-        </a:xfrm>
-      </p:grpSpPr>
-      <p:sp>
-        <p:nvSpPr>
-          <p:cNvPr id="2" name="Title 1">
-            <a:extLst>
-              <a:ext uri="{FF2B5EF4-FFF2-40B4-BE49-F238E27FC236}">
-                <a16:creationId xmlns:a16="http://schemas.microsoft.com/office/drawing/2014/main" id="{895E1BCB-B964-98FF-853F-6EB09690066E}"/>
-              </a:ext>
-            </a:extLst>
-          </p:cNvPr>
-          <p:cNvSpPr>
-            <a:spLocks noGrp="1"/>
-          </p:cNvSpPr>
-          <p:nvPr>
-            <p:ph type="title"/>
-          </p:nvPr>
-        </p:nvSpPr>
-        <p:spPr/>
-        <p:txBody>
-          <a:bodyPr>
-            <a:normAutofit/>
-          </a:bodyPr>
-          <a:lstStyle/>
-          <a:p>
-            <a:r>
-              <a:rPr lang="en-IN" sz="2400" dirty="0">
-                <a:latin typeface="Times New Roman" panose="02020603050405020304" pitchFamily="18" charset="0"/>
-                <a:cs typeface="Times New Roman" panose="02020603050405020304" pitchFamily="18" charset="0"/>
-              </a:rPr>
-              <a:t>FLOWCHART DIAGRAM FOR ADMIN:</a:t>
-            </a:r>
-          </a:p>
-        </p:txBody>
-      </p:sp>
-      <p:pic>
-        <p:nvPicPr>
-          <p:cNvPr id="5" name="Content Placeholder 4">
-            <a:extLst>
-              <a:ext uri="{FF2B5EF4-FFF2-40B4-BE49-F238E27FC236}">
-                <a16:creationId xmlns:a16="http://schemas.microsoft.com/office/drawing/2014/main" id="{A1C0ECDE-2708-0BCC-E5AF-72E4986E7725}"/>
-              </a:ext>
-            </a:extLst>
-          </p:cNvPr>
-          <p:cNvPicPr>
-            <a:picLocks noGrp="1" noChangeAspect="1"/>
-          </p:cNvPicPr>
-          <p:nvPr>
-            <p:ph idx="1"/>
-          </p:nvPr>
-        </p:nvPicPr>
-        <p:blipFill>
-          <a:blip r:embed="rId2"/>
-          <a:stretch>
-            <a:fillRect/>
-          </a:stretch>
-        </p:blipFill>
-        <p:spPr>
-          <a:xfrm>
-            <a:off x="1597675" y="1905000"/>
-            <a:ext cx="9830737" cy="3309656"/>
-          </a:xfrm>
-        </p:spPr>
-      </p:pic>
-    </p:spTree>
-    <p:extLst>
-      <p:ext uri="{BB962C8B-B14F-4D97-AF65-F5344CB8AC3E}">
-        <p14:creationId xmlns:p14="http://schemas.microsoft.com/office/powerpoint/2010/main" val="3532315260"/>
-      </p:ext>
-    </p:extLst>
-  </p:cSld>
-  <p:clrMapOvr>
-    <a:masterClrMapping/>
-  </p:clrMapOvr>
-</p:sld>
-</file>
-
 <file path=ppt/slides/slide29.xml><?xml version="1.0" encoding="utf-8"?>
 <p:sld xmlns:a="http://schemas.openxmlformats.org/drawingml/2006/main" xmlns:r="http://schemas.openxmlformats.org/officeDocument/2006/relationships" xmlns:p="http://schemas.openxmlformats.org/presentationml/2006/main">
   <p:cSld>
@@ -12092,7 +12665,7 @@
           <p:cNvPr id="2" name="Title 1">
             <a:extLst>
               <a:ext uri="{FF2B5EF4-FFF2-40B4-BE49-F238E27FC236}">
-                <a16:creationId xmlns:a16="http://schemas.microsoft.com/office/drawing/2014/main" id="{3AA42820-9893-6AEB-6004-3DDF1F3E743F}"/>
+                <a16:creationId xmlns:a16="http://schemas.microsoft.com/office/drawing/2014/main" id="{B63CDE2F-E5C1-76F5-F679-C7993E01CFCA}"/>
               </a:ext>
             </a:extLst>
           </p:cNvPr>
@@ -12103,7 +12676,12 @@
             <p:ph type="title"/>
           </p:nvPr>
         </p:nvSpPr>
-        <p:spPr/>
+        <p:spPr>
+          <a:xfrm>
+            <a:off x="166966" y="0"/>
+            <a:ext cx="2184348" cy="756821"/>
+          </a:xfrm>
+        </p:spPr>
         <p:txBody>
           <a:bodyPr>
             <a:normAutofit/>
@@ -12111,12 +12689,16 @@
           <a:lstStyle/>
           <a:p>
             <a:r>
-              <a:rPr lang="en-IN" sz="2400" dirty="0">
+              <a:rPr lang="en-US" dirty="0">
                 <a:latin typeface="Times New Roman" panose="02020603050405020304" pitchFamily="18" charset="0"/>
                 <a:cs typeface="Times New Roman" panose="02020603050405020304" pitchFamily="18" charset="0"/>
               </a:rPr>
-              <a:t>CONCLUSION:</a:t>
-            </a:r>
+              <a:t>Testing :</a:t>
+            </a:r>
+            <a:endParaRPr lang="en-IN" dirty="0">
+              <a:latin typeface="Times New Roman" panose="02020603050405020304" pitchFamily="18" charset="0"/>
+              <a:cs typeface="Times New Roman" panose="02020603050405020304" pitchFamily="18" charset="0"/>
+            </a:endParaRPr>
           </a:p>
         </p:txBody>
       </p:sp>
@@ -12125,7 +12707,7 @@
           <p:cNvPr id="3" name="Content Placeholder 2">
             <a:extLst>
               <a:ext uri="{FF2B5EF4-FFF2-40B4-BE49-F238E27FC236}">
-                <a16:creationId xmlns:a16="http://schemas.microsoft.com/office/drawing/2014/main" id="{1459AA2C-8922-5876-18D8-D2A265F6CB35}"/>
+                <a16:creationId xmlns:a16="http://schemas.microsoft.com/office/drawing/2014/main" id="{57B92439-E152-D175-7597-D5CA8A68C5E6}"/>
               </a:ext>
             </a:extLst>
           </p:cNvPr>
@@ -12143,56 +12725,57 @@
           </a:bodyPr>
           <a:lstStyle/>
           <a:p>
-            <a:r>
-              <a:rPr lang="en-IN" sz="2000" dirty="0">
-                <a:latin typeface="Times New Roman" panose="02020603050405020304" pitchFamily="18" charset="0"/>
-                <a:cs typeface="Times New Roman" panose="02020603050405020304" pitchFamily="18" charset="0"/>
-              </a:rPr>
-              <a:t>Payroll Management System is developed for a company has been designed to achieve maximum efficiency and reduce the time taken to handle the payroll activity.</a:t>
-            </a:r>
-          </a:p>
-          <a:p>
-            <a:r>
-              <a:rPr lang="en-IN" sz="2000" dirty="0">
-                <a:latin typeface="Times New Roman" panose="02020603050405020304" pitchFamily="18" charset="0"/>
-                <a:cs typeface="Times New Roman" panose="02020603050405020304" pitchFamily="18" charset="0"/>
-              </a:rPr>
-              <a:t>It is designed to replace an existing manual record system thereby reducing time taken for calculations and for storing data.</a:t>
-            </a:r>
-          </a:p>
-          <a:p>
-            <a:r>
-              <a:rPr lang="en-IN" sz="2000" dirty="0">
-                <a:latin typeface="Times New Roman" panose="02020603050405020304" pitchFamily="18" charset="0"/>
-                <a:cs typeface="Times New Roman" panose="02020603050405020304" pitchFamily="18" charset="0"/>
-              </a:rPr>
-              <a:t>It makes us easier for searching any records of employees by using their employee id in short period of time.</a:t>
-            </a:r>
-          </a:p>
-          <a:p>
-            <a:r>
-              <a:rPr lang="en-IN" sz="2000" dirty="0">
-                <a:latin typeface="Times New Roman" panose="02020603050405020304" pitchFamily="18" charset="0"/>
-                <a:cs typeface="Times New Roman" panose="02020603050405020304" pitchFamily="18" charset="0"/>
-              </a:rPr>
-              <a:t>As this process is automated , it is easier for admins to store lots of information of each employee in a simple manner.</a:t>
-            </a:r>
-          </a:p>
-          <a:p>
-            <a:r>
-              <a:rPr lang="en-IN" sz="2000" dirty="0">
-                <a:latin typeface="Times New Roman" panose="02020603050405020304" pitchFamily="18" charset="0"/>
-                <a:cs typeface="Times New Roman" panose="02020603050405020304" pitchFamily="18" charset="0"/>
-              </a:rPr>
-              <a:t>This kind of managing system also ensures the safety of employees data.</a:t>
-            </a:r>
+            <a:pPr>
+              <a:buFont typeface="Wingdings" panose="05000000000000000000" pitchFamily="2" charset="2"/>
+              <a:buChar char="Ø"/>
+            </a:pPr>
+            <a:endParaRPr lang="en-US" sz="2000" b="1" dirty="0">
+              <a:latin typeface="Times New Roman" panose="02020603050405020304" pitchFamily="18" charset="0"/>
+              <a:cs typeface="Times New Roman" panose="02020603050405020304" pitchFamily="18" charset="0"/>
+            </a:endParaRPr>
+          </a:p>
+          <a:p>
+            <a:endParaRPr lang="en-IN" sz="2000" dirty="0">
+              <a:latin typeface="Times New Roman" panose="02020603050405020304" pitchFamily="18" charset="0"/>
+              <a:cs typeface="Times New Roman" panose="02020603050405020304" pitchFamily="18" charset="0"/>
+            </a:endParaRPr>
           </a:p>
         </p:txBody>
       </p:sp>
+      <p:pic>
+        <p:nvPicPr>
+          <p:cNvPr id="9" name="Picture 8">
+            <a:extLst>
+              <a:ext uri="{FF2B5EF4-FFF2-40B4-BE49-F238E27FC236}">
+                <a16:creationId xmlns:a16="http://schemas.microsoft.com/office/drawing/2014/main" id="{BC636D33-7AB1-7269-D88A-52F8E8EE9A1B}"/>
+              </a:ext>
+            </a:extLst>
+          </p:cNvPr>
+          <p:cNvPicPr>
+            <a:picLocks noChangeAspect="1"/>
+          </p:cNvPicPr>
+          <p:nvPr/>
+        </p:nvPicPr>
+        <p:blipFill>
+          <a:blip r:embed="rId2"/>
+          <a:stretch>
+            <a:fillRect/>
+          </a:stretch>
+        </p:blipFill>
+        <p:spPr>
+          <a:xfrm>
+            <a:off x="1259140" y="880767"/>
+            <a:ext cx="10178323" cy="5725307"/>
+          </a:xfrm>
+          <a:prstGeom prst="rect">
+            <a:avLst/>
+          </a:prstGeom>
+        </p:spPr>
+      </p:pic>
     </p:spTree>
     <p:extLst>
       <p:ext uri="{BB962C8B-B14F-4D97-AF65-F5344CB8AC3E}">
-        <p14:creationId xmlns:p14="http://schemas.microsoft.com/office/powerpoint/2010/main" val="3880642230"/>
+        <p14:creationId xmlns:p14="http://schemas.microsoft.com/office/powerpoint/2010/main" val="2244685932"/>
       </p:ext>
     </p:extLst>
   </p:cSld>
@@ -12364,6 +12947,421 @@
     <p:extLst>
       <p:ext uri="{BB962C8B-B14F-4D97-AF65-F5344CB8AC3E}">
         <p14:creationId xmlns:p14="http://schemas.microsoft.com/office/powerpoint/2010/main" val="3030666421"/>
+      </p:ext>
+    </p:extLst>
+  </p:cSld>
+  <p:clrMapOvr>
+    <a:masterClrMapping/>
+  </p:clrMapOvr>
+</p:sld>
+</file>
+
+<file path=ppt/slides/slide30.xml><?xml version="1.0" encoding="utf-8"?>
+<p:sld xmlns:a="http://schemas.openxmlformats.org/drawingml/2006/main" xmlns:r="http://schemas.openxmlformats.org/officeDocument/2006/relationships" xmlns:p="http://schemas.openxmlformats.org/presentationml/2006/main">
+  <p:cSld>
+    <p:spTree>
+      <p:nvGrpSpPr>
+        <p:cNvPr id="1" name=""/>
+        <p:cNvGrpSpPr/>
+        <p:nvPr/>
+      </p:nvGrpSpPr>
+      <p:grpSpPr>
+        <a:xfrm>
+          <a:off x="0" y="0"/>
+          <a:ext cx="0" cy="0"/>
+          <a:chOff x="0" y="0"/>
+          <a:chExt cx="0" cy="0"/>
+        </a:xfrm>
+      </p:grpSpPr>
+      <p:sp>
+        <p:nvSpPr>
+          <p:cNvPr id="2" name="Title 1">
+            <a:extLst>
+              <a:ext uri="{FF2B5EF4-FFF2-40B4-BE49-F238E27FC236}">
+                <a16:creationId xmlns:a16="http://schemas.microsoft.com/office/drawing/2014/main" id="{B63CDE2F-E5C1-76F5-F679-C7993E01CFCA}"/>
+              </a:ext>
+            </a:extLst>
+          </p:cNvPr>
+          <p:cNvSpPr>
+            <a:spLocks noGrp="1"/>
+          </p:cNvSpPr>
+          <p:nvPr>
+            <p:ph type="title"/>
+          </p:nvPr>
+        </p:nvSpPr>
+        <p:spPr>
+          <a:xfrm>
+            <a:off x="166966" y="0"/>
+            <a:ext cx="2184348" cy="756821"/>
+          </a:xfrm>
+        </p:spPr>
+        <p:txBody>
+          <a:bodyPr>
+            <a:normAutofit/>
+          </a:bodyPr>
+          <a:lstStyle/>
+          <a:p>
+            <a:r>
+              <a:rPr lang="en-US" dirty="0">
+                <a:latin typeface="Times New Roman" panose="02020603050405020304" pitchFamily="18" charset="0"/>
+                <a:cs typeface="Times New Roman" panose="02020603050405020304" pitchFamily="18" charset="0"/>
+              </a:rPr>
+              <a:t>Testing :</a:t>
+            </a:r>
+            <a:endParaRPr lang="en-IN" dirty="0">
+              <a:latin typeface="Times New Roman" panose="02020603050405020304" pitchFamily="18" charset="0"/>
+              <a:cs typeface="Times New Roman" panose="02020603050405020304" pitchFamily="18" charset="0"/>
+            </a:endParaRPr>
+          </a:p>
+        </p:txBody>
+      </p:sp>
+      <p:sp>
+        <p:nvSpPr>
+          <p:cNvPr id="3" name="Content Placeholder 2">
+            <a:extLst>
+              <a:ext uri="{FF2B5EF4-FFF2-40B4-BE49-F238E27FC236}">
+                <a16:creationId xmlns:a16="http://schemas.microsoft.com/office/drawing/2014/main" id="{57B92439-E152-D175-7597-D5CA8A68C5E6}"/>
+              </a:ext>
+            </a:extLst>
+          </p:cNvPr>
+          <p:cNvSpPr>
+            <a:spLocks noGrp="1"/>
+          </p:cNvSpPr>
+          <p:nvPr>
+            <p:ph idx="1"/>
+          </p:nvPr>
+        </p:nvSpPr>
+        <p:spPr/>
+        <p:txBody>
+          <a:bodyPr>
+            <a:normAutofit/>
+          </a:bodyPr>
+          <a:lstStyle/>
+          <a:p>
+            <a:pPr>
+              <a:buFont typeface="Wingdings" panose="05000000000000000000" pitchFamily="2" charset="2"/>
+              <a:buChar char="Ø"/>
+            </a:pPr>
+            <a:endParaRPr lang="en-US" sz="2000" b="1" dirty="0">
+              <a:latin typeface="Times New Roman" panose="02020603050405020304" pitchFamily="18" charset="0"/>
+              <a:cs typeface="Times New Roman" panose="02020603050405020304" pitchFamily="18" charset="0"/>
+            </a:endParaRPr>
+          </a:p>
+          <a:p>
+            <a:endParaRPr lang="en-IN" sz="2000" dirty="0">
+              <a:latin typeface="Times New Roman" panose="02020603050405020304" pitchFamily="18" charset="0"/>
+              <a:cs typeface="Times New Roman" panose="02020603050405020304" pitchFamily="18" charset="0"/>
+            </a:endParaRPr>
+          </a:p>
+        </p:txBody>
+      </p:sp>
+      <p:pic>
+        <p:nvPicPr>
+          <p:cNvPr id="6" name="Picture 5">
+            <a:extLst>
+              <a:ext uri="{FF2B5EF4-FFF2-40B4-BE49-F238E27FC236}">
+                <a16:creationId xmlns:a16="http://schemas.microsoft.com/office/drawing/2014/main" id="{BFA5E042-B8CB-E5AD-4CDF-53F7226D3F2D}"/>
+              </a:ext>
+            </a:extLst>
+          </p:cNvPr>
+          <p:cNvPicPr>
+            <a:picLocks noChangeAspect="1"/>
+          </p:cNvPicPr>
+          <p:nvPr/>
+        </p:nvPicPr>
+        <p:blipFill rotWithShape="1">
+          <a:blip r:embed="rId2"/>
+          <a:srcRect l="16378" t="44916" r="817" b="10884"/>
+          <a:stretch/>
+        </p:blipFill>
+        <p:spPr>
+          <a:xfrm>
+            <a:off x="166966" y="1959429"/>
+            <a:ext cx="11962454" cy="3591647"/>
+          </a:xfrm>
+          <a:prstGeom prst="rect">
+            <a:avLst/>
+          </a:prstGeom>
+        </p:spPr>
+      </p:pic>
+    </p:spTree>
+    <p:extLst>
+      <p:ext uri="{BB962C8B-B14F-4D97-AF65-F5344CB8AC3E}">
+        <p14:creationId xmlns:p14="http://schemas.microsoft.com/office/powerpoint/2010/main" val="3166941978"/>
+      </p:ext>
+    </p:extLst>
+  </p:cSld>
+  <p:clrMapOvr>
+    <a:masterClrMapping/>
+  </p:clrMapOvr>
+</p:sld>
+</file>
+
+<file path=ppt/slides/slide31.xml><?xml version="1.0" encoding="utf-8"?>
+<p:sld xmlns:a="http://schemas.openxmlformats.org/drawingml/2006/main" xmlns:r="http://schemas.openxmlformats.org/officeDocument/2006/relationships" xmlns:p="http://schemas.openxmlformats.org/presentationml/2006/main">
+  <p:cSld>
+    <p:spTree>
+      <p:nvGrpSpPr>
+        <p:cNvPr id="1" name=""/>
+        <p:cNvGrpSpPr/>
+        <p:nvPr/>
+      </p:nvGrpSpPr>
+      <p:grpSpPr>
+        <a:xfrm>
+          <a:off x="0" y="0"/>
+          <a:ext cx="0" cy="0"/>
+          <a:chOff x="0" y="0"/>
+          <a:chExt cx="0" cy="0"/>
+        </a:xfrm>
+      </p:grpSpPr>
+      <p:sp>
+        <p:nvSpPr>
+          <p:cNvPr id="2" name="Title 1">
+            <a:extLst>
+              <a:ext uri="{FF2B5EF4-FFF2-40B4-BE49-F238E27FC236}">
+                <a16:creationId xmlns:a16="http://schemas.microsoft.com/office/drawing/2014/main" id="{B63CDE2F-E5C1-76F5-F679-C7993E01CFCA}"/>
+              </a:ext>
+            </a:extLst>
+          </p:cNvPr>
+          <p:cNvSpPr>
+            <a:spLocks noGrp="1"/>
+          </p:cNvSpPr>
+          <p:nvPr>
+            <p:ph type="title"/>
+          </p:nvPr>
+        </p:nvSpPr>
+        <p:spPr>
+          <a:xfrm>
+            <a:off x="166966" y="0"/>
+            <a:ext cx="2184348" cy="756821"/>
+          </a:xfrm>
+        </p:spPr>
+        <p:txBody>
+          <a:bodyPr>
+            <a:normAutofit/>
+          </a:bodyPr>
+          <a:lstStyle/>
+          <a:p>
+            <a:r>
+              <a:rPr lang="en-US" dirty="0">
+                <a:latin typeface="Times New Roman" panose="02020603050405020304" pitchFamily="18" charset="0"/>
+                <a:cs typeface="Times New Roman" panose="02020603050405020304" pitchFamily="18" charset="0"/>
+              </a:rPr>
+              <a:t>Testing :</a:t>
+            </a:r>
+            <a:endParaRPr lang="en-IN" dirty="0">
+              <a:latin typeface="Times New Roman" panose="02020603050405020304" pitchFamily="18" charset="0"/>
+              <a:cs typeface="Times New Roman" panose="02020603050405020304" pitchFamily="18" charset="0"/>
+            </a:endParaRPr>
+          </a:p>
+        </p:txBody>
+      </p:sp>
+      <p:sp>
+        <p:nvSpPr>
+          <p:cNvPr id="3" name="Content Placeholder 2">
+            <a:extLst>
+              <a:ext uri="{FF2B5EF4-FFF2-40B4-BE49-F238E27FC236}">
+                <a16:creationId xmlns:a16="http://schemas.microsoft.com/office/drawing/2014/main" id="{57B92439-E152-D175-7597-D5CA8A68C5E6}"/>
+              </a:ext>
+            </a:extLst>
+          </p:cNvPr>
+          <p:cNvSpPr>
+            <a:spLocks noGrp="1"/>
+          </p:cNvSpPr>
+          <p:nvPr>
+            <p:ph idx="1"/>
+          </p:nvPr>
+        </p:nvSpPr>
+        <p:spPr/>
+        <p:txBody>
+          <a:bodyPr>
+            <a:normAutofit/>
+          </a:bodyPr>
+          <a:lstStyle/>
+          <a:p>
+            <a:pPr>
+              <a:buFont typeface="Wingdings" panose="05000000000000000000" pitchFamily="2" charset="2"/>
+              <a:buChar char="Ø"/>
+            </a:pPr>
+            <a:endParaRPr lang="en-US" sz="2000" b="1" dirty="0">
+              <a:latin typeface="Times New Roman" panose="02020603050405020304" pitchFamily="18" charset="0"/>
+              <a:cs typeface="Times New Roman" panose="02020603050405020304" pitchFamily="18" charset="0"/>
+            </a:endParaRPr>
+          </a:p>
+          <a:p>
+            <a:endParaRPr lang="en-IN" sz="2000" dirty="0">
+              <a:latin typeface="Times New Roman" panose="02020603050405020304" pitchFamily="18" charset="0"/>
+              <a:cs typeface="Times New Roman" panose="02020603050405020304" pitchFamily="18" charset="0"/>
+            </a:endParaRPr>
+          </a:p>
+        </p:txBody>
+      </p:sp>
+      <p:pic>
+        <p:nvPicPr>
+          <p:cNvPr id="5" name="Picture 4">
+            <a:extLst>
+              <a:ext uri="{FF2B5EF4-FFF2-40B4-BE49-F238E27FC236}">
+                <a16:creationId xmlns:a16="http://schemas.microsoft.com/office/drawing/2014/main" id="{D59441E0-F0FC-1A79-3FE1-F400BC8EF68C}"/>
+              </a:ext>
+            </a:extLst>
+          </p:cNvPr>
+          <p:cNvPicPr>
+            <a:picLocks noChangeAspect="1"/>
+          </p:cNvPicPr>
+          <p:nvPr/>
+        </p:nvPicPr>
+        <p:blipFill>
+          <a:blip r:embed="rId2"/>
+          <a:stretch>
+            <a:fillRect/>
+          </a:stretch>
+        </p:blipFill>
+        <p:spPr>
+          <a:xfrm>
+            <a:off x="1760238" y="946778"/>
+            <a:ext cx="10173582" cy="5799323"/>
+          </a:xfrm>
+          <a:prstGeom prst="rect">
+            <a:avLst/>
+          </a:prstGeom>
+        </p:spPr>
+      </p:pic>
+    </p:spTree>
+    <p:extLst>
+      <p:ext uri="{BB962C8B-B14F-4D97-AF65-F5344CB8AC3E}">
+        <p14:creationId xmlns:p14="http://schemas.microsoft.com/office/powerpoint/2010/main" val="3085906656"/>
+      </p:ext>
+    </p:extLst>
+  </p:cSld>
+  <p:clrMapOvr>
+    <a:masterClrMapping/>
+  </p:clrMapOvr>
+</p:sld>
+</file>
+
+<file path=ppt/slides/slide32.xml><?xml version="1.0" encoding="utf-8"?>
+<p:sld xmlns:a="http://schemas.openxmlformats.org/drawingml/2006/main" xmlns:r="http://schemas.openxmlformats.org/officeDocument/2006/relationships" xmlns:p="http://schemas.openxmlformats.org/presentationml/2006/main">
+  <p:cSld>
+    <p:spTree>
+      <p:nvGrpSpPr>
+        <p:cNvPr id="1" name=""/>
+        <p:cNvGrpSpPr/>
+        <p:nvPr/>
+      </p:nvGrpSpPr>
+      <p:grpSpPr>
+        <a:xfrm>
+          <a:off x="0" y="0"/>
+          <a:ext cx="0" cy="0"/>
+          <a:chOff x="0" y="0"/>
+          <a:chExt cx="0" cy="0"/>
+        </a:xfrm>
+      </p:grpSpPr>
+      <p:sp>
+        <p:nvSpPr>
+          <p:cNvPr id="2" name="Title 1">
+            <a:extLst>
+              <a:ext uri="{FF2B5EF4-FFF2-40B4-BE49-F238E27FC236}">
+                <a16:creationId xmlns:a16="http://schemas.microsoft.com/office/drawing/2014/main" id="{3AA42820-9893-6AEB-6004-3DDF1F3E743F}"/>
+              </a:ext>
+            </a:extLst>
+          </p:cNvPr>
+          <p:cNvSpPr>
+            <a:spLocks noGrp="1"/>
+          </p:cNvSpPr>
+          <p:nvPr>
+            <p:ph type="title"/>
+          </p:nvPr>
+        </p:nvSpPr>
+        <p:spPr/>
+        <p:txBody>
+          <a:bodyPr>
+            <a:normAutofit/>
+          </a:bodyPr>
+          <a:lstStyle/>
+          <a:p>
+            <a:r>
+              <a:rPr lang="en-IN" sz="2400" dirty="0">
+                <a:latin typeface="Times New Roman" panose="02020603050405020304" pitchFamily="18" charset="0"/>
+                <a:cs typeface="Times New Roman" panose="02020603050405020304" pitchFamily="18" charset="0"/>
+              </a:rPr>
+              <a:t>CONCLUSION:</a:t>
+            </a:r>
+          </a:p>
+        </p:txBody>
+      </p:sp>
+      <p:sp>
+        <p:nvSpPr>
+          <p:cNvPr id="3" name="Content Placeholder 2">
+            <a:extLst>
+              <a:ext uri="{FF2B5EF4-FFF2-40B4-BE49-F238E27FC236}">
+                <a16:creationId xmlns:a16="http://schemas.microsoft.com/office/drawing/2014/main" id="{1459AA2C-8922-5876-18D8-D2A265F6CB35}"/>
+              </a:ext>
+            </a:extLst>
+          </p:cNvPr>
+          <p:cNvSpPr>
+            <a:spLocks noGrp="1"/>
+          </p:cNvSpPr>
+          <p:nvPr>
+            <p:ph idx="1"/>
+          </p:nvPr>
+        </p:nvSpPr>
+        <p:spPr/>
+        <p:txBody>
+          <a:bodyPr>
+            <a:normAutofit/>
+          </a:bodyPr>
+          <a:lstStyle/>
+          <a:p>
+            <a:r>
+              <a:rPr lang="en-IN" sz="2000" dirty="0">
+                <a:latin typeface="Times New Roman" panose="02020603050405020304" pitchFamily="18" charset="0"/>
+                <a:cs typeface="Times New Roman" panose="02020603050405020304" pitchFamily="18" charset="0"/>
+              </a:rPr>
+              <a:t>Payroll Management System is developed for a company has been designed to achieve maximum efficiency and reduce the time taken to handle the payroll activity.</a:t>
+            </a:r>
+          </a:p>
+          <a:p>
+            <a:r>
+              <a:rPr lang="en-IN" sz="2000" dirty="0">
+                <a:latin typeface="Times New Roman" panose="02020603050405020304" pitchFamily="18" charset="0"/>
+                <a:cs typeface="Times New Roman" panose="02020603050405020304" pitchFamily="18" charset="0"/>
+              </a:rPr>
+              <a:t>It is designed to replace an existing manual record system thereby reducing time taken for calculations and for storing data.</a:t>
+            </a:r>
+          </a:p>
+          <a:p>
+            <a:r>
+              <a:rPr lang="en-IN" sz="2000" dirty="0">
+                <a:latin typeface="Times New Roman" panose="02020603050405020304" pitchFamily="18" charset="0"/>
+                <a:cs typeface="Times New Roman" panose="02020603050405020304" pitchFamily="18" charset="0"/>
+              </a:rPr>
+              <a:t>It makes us easier for searching any records of employees by using their employee id in short period of time.</a:t>
+            </a:r>
+          </a:p>
+          <a:p>
+            <a:r>
+              <a:rPr lang="en-IN" sz="2000" dirty="0">
+                <a:latin typeface="Times New Roman" panose="02020603050405020304" pitchFamily="18" charset="0"/>
+                <a:cs typeface="Times New Roman" panose="02020603050405020304" pitchFamily="18" charset="0"/>
+              </a:rPr>
+              <a:t>As this process is automated , it is easier for admins to store lots of information of each employee in a simple manner.</a:t>
+            </a:r>
+          </a:p>
+          <a:p>
+            <a:r>
+              <a:rPr lang="en-IN" sz="2000" dirty="0">
+                <a:latin typeface="Times New Roman" panose="02020603050405020304" pitchFamily="18" charset="0"/>
+                <a:cs typeface="Times New Roman" panose="02020603050405020304" pitchFamily="18" charset="0"/>
+              </a:rPr>
+              <a:t>This kind of managing system also ensures the safety of employees data.</a:t>
+            </a:r>
+          </a:p>
+        </p:txBody>
+      </p:sp>
+    </p:spTree>
+    <p:extLst>
+      <p:ext uri="{BB962C8B-B14F-4D97-AF65-F5344CB8AC3E}">
+        <p14:creationId xmlns:p14="http://schemas.microsoft.com/office/powerpoint/2010/main" val="3880642230"/>
       </p:ext>
     </p:extLst>
   </p:cSld>
@@ -13280,6 +14278,190 @@
 </file>
 
 <file path=ppt/slides/slide6.xml><?xml version="1.0" encoding="utf-8"?>
+<p:sld xmlns:a="http://schemas.openxmlformats.org/drawingml/2006/main" xmlns:r="http://schemas.openxmlformats.org/officeDocument/2006/relationships" xmlns:p="http://schemas.openxmlformats.org/presentationml/2006/main">
+  <p:cSld>
+    <p:spTree>
+      <p:nvGrpSpPr>
+        <p:cNvPr id="1" name=""/>
+        <p:cNvGrpSpPr/>
+        <p:nvPr/>
+      </p:nvGrpSpPr>
+      <p:grpSpPr>
+        <a:xfrm>
+          <a:off x="0" y="0"/>
+          <a:ext cx="0" cy="0"/>
+          <a:chOff x="0" y="0"/>
+          <a:chExt cx="0" cy="0"/>
+        </a:xfrm>
+      </p:grpSpPr>
+      <p:sp>
+        <p:nvSpPr>
+          <p:cNvPr id="2" name="Title 1">
+            <a:extLst>
+              <a:ext uri="{FF2B5EF4-FFF2-40B4-BE49-F238E27FC236}">
+                <a16:creationId xmlns:a16="http://schemas.microsoft.com/office/drawing/2014/main" id="{814AF03C-B4F6-0E80-2794-E71F40BC80D1}"/>
+              </a:ext>
+            </a:extLst>
+          </p:cNvPr>
+          <p:cNvSpPr>
+            <a:spLocks noGrp="1"/>
+          </p:cNvSpPr>
+          <p:nvPr>
+            <p:ph type="title"/>
+          </p:nvPr>
+        </p:nvSpPr>
+        <p:spPr/>
+        <p:txBody>
+          <a:bodyPr>
+            <a:normAutofit/>
+          </a:bodyPr>
+          <a:lstStyle/>
+          <a:p>
+            <a:r>
+              <a:rPr lang="en-IN" sz="2400" dirty="0">
+                <a:latin typeface="Times New Roman" panose="02020603050405020304" pitchFamily="18" charset="0"/>
+                <a:cs typeface="Times New Roman" panose="02020603050405020304" pitchFamily="18" charset="0"/>
+              </a:rPr>
+              <a:t>FLOWCHART DIAGRAM FOR USER:</a:t>
+            </a:r>
+          </a:p>
+        </p:txBody>
+      </p:sp>
+      <p:pic>
+        <p:nvPicPr>
+          <p:cNvPr id="7" name="Content Placeholder 6">
+            <a:extLst>
+              <a:ext uri="{FF2B5EF4-FFF2-40B4-BE49-F238E27FC236}">
+                <a16:creationId xmlns:a16="http://schemas.microsoft.com/office/drawing/2014/main" id="{095A6485-7FD3-F9EA-B7A9-7493D4ABF5A0}"/>
+              </a:ext>
+            </a:extLst>
+          </p:cNvPr>
+          <p:cNvPicPr>
+            <a:picLocks noGrp="1" noChangeAspect="1"/>
+          </p:cNvPicPr>
+          <p:nvPr>
+            <p:ph idx="1"/>
+          </p:nvPr>
+        </p:nvPicPr>
+        <p:blipFill>
+          <a:blip r:embed="rId2"/>
+          <a:stretch>
+            <a:fillRect/>
+          </a:stretch>
+        </p:blipFill>
+        <p:spPr>
+          <a:xfrm>
+            <a:off x="3149002" y="1263256"/>
+            <a:ext cx="5659290" cy="4970634"/>
+          </a:xfrm>
+        </p:spPr>
+      </p:pic>
+    </p:spTree>
+    <p:extLst>
+      <p:ext uri="{BB962C8B-B14F-4D97-AF65-F5344CB8AC3E}">
+        <p14:creationId xmlns:p14="http://schemas.microsoft.com/office/powerpoint/2010/main" val="1223961535"/>
+      </p:ext>
+    </p:extLst>
+  </p:cSld>
+  <p:clrMapOvr>
+    <a:masterClrMapping/>
+  </p:clrMapOvr>
+</p:sld>
+</file>
+
+<file path=ppt/slides/slide7.xml><?xml version="1.0" encoding="utf-8"?>
+<p:sld xmlns:a="http://schemas.openxmlformats.org/drawingml/2006/main" xmlns:r="http://schemas.openxmlformats.org/officeDocument/2006/relationships" xmlns:p="http://schemas.openxmlformats.org/presentationml/2006/main">
+  <p:cSld>
+    <p:spTree>
+      <p:nvGrpSpPr>
+        <p:cNvPr id="1" name=""/>
+        <p:cNvGrpSpPr/>
+        <p:nvPr/>
+      </p:nvGrpSpPr>
+      <p:grpSpPr>
+        <a:xfrm>
+          <a:off x="0" y="0"/>
+          <a:ext cx="0" cy="0"/>
+          <a:chOff x="0" y="0"/>
+          <a:chExt cx="0" cy="0"/>
+        </a:xfrm>
+      </p:grpSpPr>
+      <p:sp>
+        <p:nvSpPr>
+          <p:cNvPr id="2" name="Title 1">
+            <a:extLst>
+              <a:ext uri="{FF2B5EF4-FFF2-40B4-BE49-F238E27FC236}">
+                <a16:creationId xmlns:a16="http://schemas.microsoft.com/office/drawing/2014/main" id="{895E1BCB-B964-98FF-853F-6EB09690066E}"/>
+              </a:ext>
+            </a:extLst>
+          </p:cNvPr>
+          <p:cNvSpPr>
+            <a:spLocks noGrp="1"/>
+          </p:cNvSpPr>
+          <p:nvPr>
+            <p:ph type="title"/>
+          </p:nvPr>
+        </p:nvSpPr>
+        <p:spPr/>
+        <p:txBody>
+          <a:bodyPr>
+            <a:normAutofit/>
+          </a:bodyPr>
+          <a:lstStyle/>
+          <a:p>
+            <a:r>
+              <a:rPr lang="en-IN" sz="2400" dirty="0">
+                <a:latin typeface="Times New Roman" panose="02020603050405020304" pitchFamily="18" charset="0"/>
+                <a:cs typeface="Times New Roman" panose="02020603050405020304" pitchFamily="18" charset="0"/>
+              </a:rPr>
+              <a:t>FLOWCHART DIAGRAM FOR ADMIN:</a:t>
+            </a:r>
+          </a:p>
+        </p:txBody>
+      </p:sp>
+      <p:pic>
+        <p:nvPicPr>
+          <p:cNvPr id="5" name="Content Placeholder 4">
+            <a:extLst>
+              <a:ext uri="{FF2B5EF4-FFF2-40B4-BE49-F238E27FC236}">
+                <a16:creationId xmlns:a16="http://schemas.microsoft.com/office/drawing/2014/main" id="{A1C0ECDE-2708-0BCC-E5AF-72E4986E7725}"/>
+              </a:ext>
+            </a:extLst>
+          </p:cNvPr>
+          <p:cNvPicPr>
+            <a:picLocks noGrp="1" noChangeAspect="1"/>
+          </p:cNvPicPr>
+          <p:nvPr>
+            <p:ph idx="1"/>
+          </p:nvPr>
+        </p:nvPicPr>
+        <p:blipFill>
+          <a:blip r:embed="rId2"/>
+          <a:stretch>
+            <a:fillRect/>
+          </a:stretch>
+        </p:blipFill>
+        <p:spPr>
+          <a:xfrm>
+            <a:off x="1597675" y="1905000"/>
+            <a:ext cx="9830737" cy="3309656"/>
+          </a:xfrm>
+        </p:spPr>
+      </p:pic>
+    </p:spTree>
+    <p:extLst>
+      <p:ext uri="{BB962C8B-B14F-4D97-AF65-F5344CB8AC3E}">
+        <p14:creationId xmlns:p14="http://schemas.microsoft.com/office/powerpoint/2010/main" val="3506182417"/>
+      </p:ext>
+    </p:extLst>
+  </p:cSld>
+  <p:clrMapOvr>
+    <a:masterClrMapping/>
+  </p:clrMapOvr>
+</p:sld>
+</file>
+
+<file path=ppt/slides/slide8.xml><?xml version="1.0" encoding="utf-8"?>
 <p:sld xmlns:a="http://schemas.openxmlformats.org/drawingml/2006/main" xmlns:r="http://schemas.openxmlformats.org/officeDocument/2006/relationships" xmlns:p="http://schemas.openxmlformats.org/presentationml/2006/main">
   <p:cSld>
     <p:bg>
@@ -16308,7 +17490,7 @@
 </p:sld>
 </file>
 
-<file path=ppt/slides/slide7.xml><?xml version="1.0" encoding="utf-8"?>
+<file path=ppt/slides/slide9.xml><?xml version="1.0" encoding="utf-8"?>
 <p:sld xmlns:a="http://schemas.openxmlformats.org/drawingml/2006/main" xmlns:r="http://schemas.openxmlformats.org/officeDocument/2006/relationships" xmlns:p="http://schemas.openxmlformats.org/presentationml/2006/main">
   <p:cSld>
     <p:spTree>
@@ -16952,760 +18134,6 @@
     <p:extLst>
       <p:ext uri="{BB962C8B-B14F-4D97-AF65-F5344CB8AC3E}">
         <p14:creationId xmlns:p14="http://schemas.microsoft.com/office/powerpoint/2010/main" val="1437871423"/>
-      </p:ext>
-    </p:extLst>
-  </p:cSld>
-  <p:clrMapOvr>
-    <a:masterClrMapping/>
-  </p:clrMapOvr>
-</p:sld>
-</file>
-
-<file path=ppt/slides/slide8.xml><?xml version="1.0" encoding="utf-8"?>
-<p:sld xmlns:a="http://schemas.openxmlformats.org/drawingml/2006/main" xmlns:r="http://schemas.openxmlformats.org/officeDocument/2006/relationships" xmlns:p="http://schemas.openxmlformats.org/presentationml/2006/main">
-  <p:cSld>
-    <p:spTree>
-      <p:nvGrpSpPr>
-        <p:cNvPr id="1" name=""/>
-        <p:cNvGrpSpPr/>
-        <p:nvPr/>
-      </p:nvGrpSpPr>
-      <p:grpSpPr>
-        <a:xfrm>
-          <a:off x="0" y="0"/>
-          <a:ext cx="0" cy="0"/>
-          <a:chOff x="0" y="0"/>
-          <a:chExt cx="0" cy="0"/>
-        </a:xfrm>
-      </p:grpSpPr>
-      <p:sp>
-        <p:nvSpPr>
-          <p:cNvPr id="2" name="Title 1">
-            <a:extLst>
-              <a:ext uri="{FF2B5EF4-FFF2-40B4-BE49-F238E27FC236}">
-                <a16:creationId xmlns:a16="http://schemas.microsoft.com/office/drawing/2014/main" id="{8C699CA6-C6E7-D386-BEBC-DC5C726B6352}"/>
-              </a:ext>
-            </a:extLst>
-          </p:cNvPr>
-          <p:cNvSpPr>
-            <a:spLocks noGrp="1"/>
-          </p:cNvSpPr>
-          <p:nvPr>
-            <p:ph type="title"/>
-          </p:nvPr>
-        </p:nvSpPr>
-        <p:spPr>
-          <a:xfrm>
-            <a:off x="2551765" y="624110"/>
-            <a:ext cx="8911687" cy="1280890"/>
-          </a:xfrm>
-        </p:spPr>
-        <p:txBody>
-          <a:bodyPr>
-            <a:normAutofit/>
-          </a:bodyPr>
-          <a:lstStyle/>
-          <a:p>
-            <a:r>
-              <a:rPr lang="en-IN" sz="2400" dirty="0">
-                <a:latin typeface="Times New Roman" panose="02020603050405020304" pitchFamily="18" charset="0"/>
-                <a:cs typeface="Times New Roman" panose="02020603050405020304" pitchFamily="18" charset="0"/>
-              </a:rPr>
-              <a:t>MODULE DESCRIPTION:</a:t>
-            </a:r>
-          </a:p>
-        </p:txBody>
-      </p:sp>
-      <p:sp>
-        <p:nvSpPr>
-          <p:cNvPr id="3" name="Content Placeholder 2">
-            <a:extLst>
-              <a:ext uri="{FF2B5EF4-FFF2-40B4-BE49-F238E27FC236}">
-                <a16:creationId xmlns:a16="http://schemas.microsoft.com/office/drawing/2014/main" id="{043E225D-E552-1D56-A6CC-14FFF45AC064}"/>
-              </a:ext>
-            </a:extLst>
-          </p:cNvPr>
-          <p:cNvSpPr>
-            <a:spLocks noGrp="1"/>
-          </p:cNvSpPr>
-          <p:nvPr>
-            <p:ph idx="1"/>
-          </p:nvPr>
-        </p:nvSpPr>
-        <p:spPr/>
-        <p:txBody>
-          <a:bodyPr>
-            <a:normAutofit/>
-          </a:bodyPr>
-          <a:lstStyle/>
-          <a:p>
-            <a:pPr marL="0" indent="0">
-              <a:buNone/>
-            </a:pPr>
-            <a:endParaRPr lang="en-IN" sz="7400" dirty="0">
-              <a:latin typeface="Times New Roman" panose="02020603050405020304" pitchFamily="18" charset="0"/>
-              <a:cs typeface="Times New Roman" panose="02020603050405020304" pitchFamily="18" charset="0"/>
-            </a:endParaRPr>
-          </a:p>
-          <a:p>
-            <a:pPr marL="0" indent="0">
-              <a:buNone/>
-            </a:pPr>
-            <a:endParaRPr lang="en-US" sz="8000" dirty="0">
-              <a:latin typeface="Times New Roman" panose="02020603050405020304" pitchFamily="18" charset="0"/>
-              <a:ea typeface="+mn-lt"/>
-              <a:cs typeface="Times New Roman" panose="02020603050405020304" pitchFamily="18" charset="0"/>
-            </a:endParaRPr>
-          </a:p>
-          <a:p>
-            <a:pPr>
-              <a:buFont typeface="Wingdings,Sans-Serif" charset="2"/>
-              <a:buChar char="Ø"/>
-            </a:pPr>
-            <a:endParaRPr lang="en-US" sz="6200" dirty="0">
-              <a:solidFill>
-                <a:srgbClr val="404040"/>
-              </a:solidFill>
-              <a:latin typeface="Times New Roman" panose="02020603050405020304" pitchFamily="18" charset="0"/>
-              <a:cs typeface="Times New Roman" panose="02020603050405020304" pitchFamily="18" charset="0"/>
-            </a:endParaRPr>
-          </a:p>
-          <a:p>
-            <a:pPr marL="0" indent="0">
-              <a:buNone/>
-            </a:pPr>
-            <a:endParaRPr lang="en-IN" sz="2200" dirty="0">
-              <a:latin typeface="Times New Roman" panose="02020603050405020304" pitchFamily="18" charset="0"/>
-              <a:cs typeface="Times New Roman" panose="02020603050405020304" pitchFamily="18" charset="0"/>
-            </a:endParaRPr>
-          </a:p>
-          <a:p>
-            <a:endParaRPr lang="en-IN" sz="2000" dirty="0">
-              <a:latin typeface="Times New Roman" panose="02020603050405020304" pitchFamily="18" charset="0"/>
-              <a:cs typeface="Times New Roman" panose="02020603050405020304" pitchFamily="18" charset="0"/>
-            </a:endParaRPr>
-          </a:p>
-          <a:p>
-            <a:endParaRPr lang="en-IN" sz="2000" dirty="0">
-              <a:latin typeface="Times New Roman" panose="02020603050405020304" pitchFamily="18" charset="0"/>
-              <a:cs typeface="Times New Roman" panose="02020603050405020304" pitchFamily="18" charset="0"/>
-            </a:endParaRPr>
-          </a:p>
-          <a:p>
-            <a:endParaRPr lang="en-IN" sz="2000" dirty="0">
-              <a:latin typeface="Times New Roman" panose="02020603050405020304" pitchFamily="18" charset="0"/>
-              <a:cs typeface="Times New Roman" panose="02020603050405020304" pitchFamily="18" charset="0"/>
-            </a:endParaRPr>
-          </a:p>
-          <a:p>
-            <a:endParaRPr lang="en-IN" sz="2000" dirty="0">
-              <a:latin typeface="Times New Roman" panose="02020603050405020304" pitchFamily="18" charset="0"/>
-              <a:cs typeface="Times New Roman" panose="02020603050405020304" pitchFamily="18" charset="0"/>
-            </a:endParaRPr>
-          </a:p>
-          <a:p>
-            <a:endParaRPr lang="en-IN" sz="2000" dirty="0">
-              <a:latin typeface="Times New Roman" panose="02020603050405020304" pitchFamily="18" charset="0"/>
-              <a:cs typeface="Times New Roman" panose="02020603050405020304" pitchFamily="18" charset="0"/>
-            </a:endParaRPr>
-          </a:p>
-          <a:p>
-            <a:endParaRPr lang="en-IN" sz="2000" dirty="0">
-              <a:latin typeface="Times New Roman" panose="02020603050405020304" pitchFamily="18" charset="0"/>
-              <a:cs typeface="Times New Roman" panose="02020603050405020304" pitchFamily="18" charset="0"/>
-            </a:endParaRPr>
-          </a:p>
-          <a:p>
-            <a:endParaRPr lang="en-IN" sz="2000" dirty="0">
-              <a:latin typeface="Times New Roman" panose="02020603050405020304" pitchFamily="18" charset="0"/>
-              <a:cs typeface="Times New Roman" panose="02020603050405020304" pitchFamily="18" charset="0"/>
-            </a:endParaRPr>
-          </a:p>
-          <a:p>
-            <a:endParaRPr lang="en-IN" sz="2000" dirty="0">
-              <a:latin typeface="Times New Roman" panose="02020603050405020304" pitchFamily="18" charset="0"/>
-              <a:cs typeface="Times New Roman" panose="02020603050405020304" pitchFamily="18" charset="0"/>
-            </a:endParaRPr>
-          </a:p>
-          <a:p>
-            <a:endParaRPr lang="en-IN" sz="2000" dirty="0">
-              <a:latin typeface="Times New Roman" panose="02020603050405020304" pitchFamily="18" charset="0"/>
-              <a:cs typeface="Times New Roman" panose="02020603050405020304" pitchFamily="18" charset="0"/>
-            </a:endParaRPr>
-          </a:p>
-          <a:p>
-            <a:endParaRPr lang="en-IN" sz="2000" dirty="0">
-              <a:latin typeface="Times New Roman" panose="02020603050405020304" pitchFamily="18" charset="0"/>
-              <a:cs typeface="Times New Roman" panose="02020603050405020304" pitchFamily="18" charset="0"/>
-            </a:endParaRPr>
-          </a:p>
-          <a:p>
-            <a:endParaRPr lang="en-IN" sz="2000" dirty="0">
-              <a:latin typeface="Times New Roman" panose="02020603050405020304" pitchFamily="18" charset="0"/>
-              <a:cs typeface="Times New Roman" panose="02020603050405020304" pitchFamily="18" charset="0"/>
-            </a:endParaRPr>
-          </a:p>
-          <a:p>
-            <a:endParaRPr lang="en-IN" sz="2000" dirty="0">
-              <a:latin typeface="Times New Roman" panose="02020603050405020304" pitchFamily="18" charset="0"/>
-              <a:cs typeface="Times New Roman" panose="02020603050405020304" pitchFamily="18" charset="0"/>
-            </a:endParaRPr>
-          </a:p>
-          <a:p>
-            <a:endParaRPr lang="en-IN" sz="2000" dirty="0">
-              <a:latin typeface="Times New Roman" panose="02020603050405020304" pitchFamily="18" charset="0"/>
-              <a:cs typeface="Times New Roman" panose="02020603050405020304" pitchFamily="18" charset="0"/>
-            </a:endParaRPr>
-          </a:p>
-          <a:p>
-            <a:endParaRPr lang="en-IN" sz="2000" dirty="0">
-              <a:latin typeface="Times New Roman" panose="02020603050405020304" pitchFamily="18" charset="0"/>
-              <a:cs typeface="Times New Roman" panose="02020603050405020304" pitchFamily="18" charset="0"/>
-            </a:endParaRPr>
-          </a:p>
-          <a:p>
-            <a:endParaRPr lang="en-IN" sz="2000" dirty="0">
-              <a:latin typeface="Times New Roman" panose="02020603050405020304" pitchFamily="18" charset="0"/>
-              <a:cs typeface="Times New Roman" panose="02020603050405020304" pitchFamily="18" charset="0"/>
-            </a:endParaRPr>
-          </a:p>
-          <a:p>
-            <a:endParaRPr lang="en-IN" sz="2000" dirty="0">
-              <a:latin typeface="Times New Roman" panose="02020603050405020304" pitchFamily="18" charset="0"/>
-              <a:cs typeface="Times New Roman" panose="02020603050405020304" pitchFamily="18" charset="0"/>
-            </a:endParaRPr>
-          </a:p>
-          <a:p>
-            <a:endParaRPr lang="en-IN" sz="2000" dirty="0">
-              <a:latin typeface="Times New Roman" panose="02020603050405020304" pitchFamily="18" charset="0"/>
-              <a:cs typeface="Times New Roman" panose="02020603050405020304" pitchFamily="18" charset="0"/>
-            </a:endParaRPr>
-          </a:p>
-          <a:p>
-            <a:endParaRPr lang="en-IN" sz="2000" dirty="0">
-              <a:latin typeface="Times New Roman" panose="02020603050405020304" pitchFamily="18" charset="0"/>
-              <a:cs typeface="Times New Roman" panose="02020603050405020304" pitchFamily="18" charset="0"/>
-            </a:endParaRPr>
-          </a:p>
-          <a:p>
-            <a:endParaRPr lang="en-IN" sz="2000" dirty="0">
-              <a:latin typeface="Times New Roman" panose="02020603050405020304" pitchFamily="18" charset="0"/>
-              <a:cs typeface="Times New Roman" panose="02020603050405020304" pitchFamily="18" charset="0"/>
-            </a:endParaRPr>
-          </a:p>
-          <a:p>
-            <a:endParaRPr lang="en-IN" sz="2000" dirty="0">
-              <a:latin typeface="Times New Roman" panose="02020603050405020304" pitchFamily="18" charset="0"/>
-              <a:cs typeface="Times New Roman" panose="02020603050405020304" pitchFamily="18" charset="0"/>
-            </a:endParaRPr>
-          </a:p>
-          <a:p>
-            <a:endParaRPr lang="en-IN" sz="2000" dirty="0">
-              <a:latin typeface="Times New Roman" panose="02020603050405020304" pitchFamily="18" charset="0"/>
-              <a:cs typeface="Times New Roman" panose="02020603050405020304" pitchFamily="18" charset="0"/>
-            </a:endParaRPr>
-          </a:p>
-          <a:p>
-            <a:endParaRPr lang="en-IN" sz="2000" dirty="0">
-              <a:latin typeface="Times New Roman" panose="02020603050405020304" pitchFamily="18" charset="0"/>
-              <a:cs typeface="Times New Roman" panose="02020603050405020304" pitchFamily="18" charset="0"/>
-            </a:endParaRPr>
-          </a:p>
-          <a:p>
-            <a:endParaRPr lang="en-IN" sz="2000" dirty="0">
-              <a:latin typeface="Times New Roman" panose="02020603050405020304" pitchFamily="18" charset="0"/>
-              <a:cs typeface="Times New Roman" panose="02020603050405020304" pitchFamily="18" charset="0"/>
-            </a:endParaRPr>
-          </a:p>
-          <a:p>
-            <a:endParaRPr lang="en-IN" sz="2000" dirty="0">
-              <a:latin typeface="Times New Roman" panose="02020603050405020304" pitchFamily="18" charset="0"/>
-              <a:cs typeface="Times New Roman" panose="02020603050405020304" pitchFamily="18" charset="0"/>
-            </a:endParaRPr>
-          </a:p>
-          <a:p>
-            <a:endParaRPr lang="en-IN" sz="2000" dirty="0">
-              <a:latin typeface="Times New Roman" panose="02020603050405020304" pitchFamily="18" charset="0"/>
-              <a:cs typeface="Times New Roman" panose="02020603050405020304" pitchFamily="18" charset="0"/>
-            </a:endParaRPr>
-          </a:p>
-          <a:p>
-            <a:endParaRPr lang="en-IN" sz="2000" dirty="0">
-              <a:latin typeface="Times New Roman" panose="02020603050405020304" pitchFamily="18" charset="0"/>
-              <a:cs typeface="Times New Roman" panose="02020603050405020304" pitchFamily="18" charset="0"/>
-            </a:endParaRPr>
-          </a:p>
-          <a:p>
-            <a:endParaRPr lang="en-IN" sz="2000" dirty="0">
-              <a:latin typeface="Times New Roman" panose="02020603050405020304" pitchFamily="18" charset="0"/>
-              <a:cs typeface="Times New Roman" panose="02020603050405020304" pitchFamily="18" charset="0"/>
-            </a:endParaRPr>
-          </a:p>
-          <a:p>
-            <a:endParaRPr lang="en-IN" sz="2000" dirty="0">
-              <a:latin typeface="Times New Roman" panose="02020603050405020304" pitchFamily="18" charset="0"/>
-              <a:cs typeface="Times New Roman" panose="02020603050405020304" pitchFamily="18" charset="0"/>
-            </a:endParaRPr>
-          </a:p>
-          <a:p>
-            <a:endParaRPr lang="en-IN" sz="2000" dirty="0">
-              <a:latin typeface="Times New Roman" panose="02020603050405020304" pitchFamily="18" charset="0"/>
-              <a:cs typeface="Times New Roman" panose="02020603050405020304" pitchFamily="18" charset="0"/>
-            </a:endParaRPr>
-          </a:p>
-          <a:p>
-            <a:endParaRPr lang="en-IN" sz="2000" dirty="0">
-              <a:latin typeface="Times New Roman" panose="02020603050405020304" pitchFamily="18" charset="0"/>
-              <a:cs typeface="Times New Roman" panose="02020603050405020304" pitchFamily="18" charset="0"/>
-            </a:endParaRPr>
-          </a:p>
-          <a:p>
-            <a:endParaRPr lang="en-IN" sz="2000" dirty="0">
-              <a:latin typeface="Times New Roman" panose="02020603050405020304" pitchFamily="18" charset="0"/>
-              <a:cs typeface="Times New Roman" panose="02020603050405020304" pitchFamily="18" charset="0"/>
-            </a:endParaRPr>
-          </a:p>
-          <a:p>
-            <a:endParaRPr lang="en-IN" sz="2000" dirty="0">
-              <a:latin typeface="Times New Roman" panose="02020603050405020304" pitchFamily="18" charset="0"/>
-              <a:cs typeface="Times New Roman" panose="02020603050405020304" pitchFamily="18" charset="0"/>
-            </a:endParaRPr>
-          </a:p>
-          <a:p>
-            <a:endParaRPr lang="en-IN" sz="2000" dirty="0">
-              <a:latin typeface="Times New Roman" panose="02020603050405020304" pitchFamily="18" charset="0"/>
-              <a:cs typeface="Times New Roman" panose="02020603050405020304" pitchFamily="18" charset="0"/>
-            </a:endParaRPr>
-          </a:p>
-          <a:p>
-            <a:endParaRPr lang="en-IN" sz="2000" dirty="0">
-              <a:latin typeface="Times New Roman" panose="02020603050405020304" pitchFamily="18" charset="0"/>
-              <a:cs typeface="Times New Roman" panose="02020603050405020304" pitchFamily="18" charset="0"/>
-            </a:endParaRPr>
-          </a:p>
-          <a:p>
-            <a:endParaRPr lang="en-IN" sz="2000" dirty="0">
-              <a:latin typeface="Times New Roman" panose="02020603050405020304" pitchFamily="18" charset="0"/>
-              <a:cs typeface="Times New Roman" panose="02020603050405020304" pitchFamily="18" charset="0"/>
-            </a:endParaRPr>
-          </a:p>
-          <a:p>
-            <a:endParaRPr lang="en-IN" sz="2000" dirty="0">
-              <a:latin typeface="Times New Roman" panose="02020603050405020304" pitchFamily="18" charset="0"/>
-              <a:cs typeface="Times New Roman" panose="02020603050405020304" pitchFamily="18" charset="0"/>
-            </a:endParaRPr>
-          </a:p>
-          <a:p>
-            <a:endParaRPr lang="en-IN" sz="2000" dirty="0">
-              <a:latin typeface="Times New Roman" panose="02020603050405020304" pitchFamily="18" charset="0"/>
-              <a:cs typeface="Times New Roman" panose="02020603050405020304" pitchFamily="18" charset="0"/>
-            </a:endParaRPr>
-          </a:p>
-          <a:p>
-            <a:endParaRPr lang="en-IN" sz="2000" dirty="0">
-              <a:latin typeface="Times New Roman" panose="02020603050405020304" pitchFamily="18" charset="0"/>
-              <a:cs typeface="Times New Roman" panose="02020603050405020304" pitchFamily="18" charset="0"/>
-            </a:endParaRPr>
-          </a:p>
-          <a:p>
-            <a:endParaRPr lang="en-IN" sz="2000" dirty="0">
-              <a:latin typeface="Times New Roman" panose="02020603050405020304" pitchFamily="18" charset="0"/>
-              <a:cs typeface="Times New Roman" panose="02020603050405020304" pitchFamily="18" charset="0"/>
-            </a:endParaRPr>
-          </a:p>
-          <a:p>
-            <a:endParaRPr lang="en-IN" sz="2000" dirty="0">
-              <a:latin typeface="Times New Roman" panose="02020603050405020304" pitchFamily="18" charset="0"/>
-              <a:cs typeface="Times New Roman" panose="02020603050405020304" pitchFamily="18" charset="0"/>
-            </a:endParaRPr>
-          </a:p>
-          <a:p>
-            <a:endParaRPr lang="en-IN" sz="2000" dirty="0">
-              <a:latin typeface="Times New Roman" panose="02020603050405020304" pitchFamily="18" charset="0"/>
-              <a:cs typeface="Times New Roman" panose="02020603050405020304" pitchFamily="18" charset="0"/>
-            </a:endParaRPr>
-          </a:p>
-          <a:p>
-            <a:endParaRPr lang="en-IN" sz="2000" dirty="0">
-              <a:latin typeface="Times New Roman" panose="02020603050405020304" pitchFamily="18" charset="0"/>
-              <a:cs typeface="Times New Roman" panose="02020603050405020304" pitchFamily="18" charset="0"/>
-            </a:endParaRPr>
-          </a:p>
-          <a:p>
-            <a:endParaRPr lang="en-IN" sz="2000" dirty="0">
-              <a:latin typeface="Times New Roman" panose="02020603050405020304" pitchFamily="18" charset="0"/>
-              <a:cs typeface="Times New Roman" panose="02020603050405020304" pitchFamily="18" charset="0"/>
-            </a:endParaRPr>
-          </a:p>
-          <a:p>
-            <a:endParaRPr lang="en-IN" sz="2000" dirty="0">
-              <a:latin typeface="Times New Roman" panose="02020603050405020304" pitchFamily="18" charset="0"/>
-              <a:cs typeface="Times New Roman" panose="02020603050405020304" pitchFamily="18" charset="0"/>
-            </a:endParaRPr>
-          </a:p>
-          <a:p>
-            <a:endParaRPr lang="en-IN" sz="2000" dirty="0">
-              <a:latin typeface="Times New Roman" panose="02020603050405020304" pitchFamily="18" charset="0"/>
-              <a:cs typeface="Times New Roman" panose="02020603050405020304" pitchFamily="18" charset="0"/>
-            </a:endParaRPr>
-          </a:p>
-          <a:p>
-            <a:endParaRPr lang="en-IN" sz="2000" dirty="0">
-              <a:latin typeface="Times New Roman" panose="02020603050405020304" pitchFamily="18" charset="0"/>
-              <a:cs typeface="Times New Roman" panose="02020603050405020304" pitchFamily="18" charset="0"/>
-            </a:endParaRPr>
-          </a:p>
-          <a:p>
-            <a:endParaRPr lang="en-IN" sz="2000" dirty="0">
-              <a:latin typeface="Times New Roman" panose="02020603050405020304" pitchFamily="18" charset="0"/>
-              <a:cs typeface="Times New Roman" panose="02020603050405020304" pitchFamily="18" charset="0"/>
-            </a:endParaRPr>
-          </a:p>
-          <a:p>
-            <a:endParaRPr lang="en-IN" sz="2000" dirty="0">
-              <a:latin typeface="Times New Roman" panose="02020603050405020304" pitchFamily="18" charset="0"/>
-              <a:cs typeface="Times New Roman" panose="02020603050405020304" pitchFamily="18" charset="0"/>
-            </a:endParaRPr>
-          </a:p>
-          <a:p>
-            <a:endParaRPr lang="en-IN" sz="2000" dirty="0">
-              <a:latin typeface="Times New Roman" panose="02020603050405020304" pitchFamily="18" charset="0"/>
-              <a:cs typeface="Times New Roman" panose="02020603050405020304" pitchFamily="18" charset="0"/>
-            </a:endParaRPr>
-          </a:p>
-          <a:p>
-            <a:endParaRPr lang="en-IN" sz="2000" dirty="0">
-              <a:latin typeface="Times New Roman" panose="02020603050405020304" pitchFamily="18" charset="0"/>
-              <a:cs typeface="Times New Roman" panose="02020603050405020304" pitchFamily="18" charset="0"/>
-            </a:endParaRPr>
-          </a:p>
-          <a:p>
-            <a:endParaRPr lang="en-IN" sz="2000" dirty="0">
-              <a:latin typeface="Times New Roman" panose="02020603050405020304" pitchFamily="18" charset="0"/>
-              <a:cs typeface="Times New Roman" panose="02020603050405020304" pitchFamily="18" charset="0"/>
-            </a:endParaRPr>
-          </a:p>
-          <a:p>
-            <a:endParaRPr lang="en-IN" sz="2000" dirty="0">
-              <a:latin typeface="Times New Roman" panose="02020603050405020304" pitchFamily="18" charset="0"/>
-              <a:cs typeface="Times New Roman" panose="02020603050405020304" pitchFamily="18" charset="0"/>
-            </a:endParaRPr>
-          </a:p>
-          <a:p>
-            <a:endParaRPr lang="en-IN" sz="2000" dirty="0">
-              <a:latin typeface="Times New Roman" panose="02020603050405020304" pitchFamily="18" charset="0"/>
-              <a:cs typeface="Times New Roman" panose="02020603050405020304" pitchFamily="18" charset="0"/>
-            </a:endParaRPr>
-          </a:p>
-          <a:p>
-            <a:endParaRPr lang="en-IN" sz="2000" dirty="0">
-              <a:latin typeface="Times New Roman" panose="02020603050405020304" pitchFamily="18" charset="0"/>
-              <a:cs typeface="Times New Roman" panose="02020603050405020304" pitchFamily="18" charset="0"/>
-            </a:endParaRPr>
-          </a:p>
-          <a:p>
-            <a:endParaRPr lang="en-IN" sz="2000" dirty="0">
-              <a:latin typeface="Times New Roman" panose="02020603050405020304" pitchFamily="18" charset="0"/>
-              <a:cs typeface="Times New Roman" panose="02020603050405020304" pitchFamily="18" charset="0"/>
-            </a:endParaRPr>
-          </a:p>
-          <a:p>
-            <a:endParaRPr lang="en-IN" sz="2000" dirty="0">
-              <a:latin typeface="Times New Roman" panose="02020603050405020304" pitchFamily="18" charset="0"/>
-              <a:cs typeface="Times New Roman" panose="02020603050405020304" pitchFamily="18" charset="0"/>
-            </a:endParaRPr>
-          </a:p>
-          <a:p>
-            <a:endParaRPr lang="en-IN" sz="2000" dirty="0">
-              <a:latin typeface="Times New Roman" panose="02020603050405020304" pitchFamily="18" charset="0"/>
-              <a:cs typeface="Times New Roman" panose="02020603050405020304" pitchFamily="18" charset="0"/>
-            </a:endParaRPr>
-          </a:p>
-          <a:p>
-            <a:endParaRPr lang="en-IN" sz="2000" dirty="0">
-              <a:latin typeface="Times New Roman" panose="02020603050405020304" pitchFamily="18" charset="0"/>
-              <a:cs typeface="Times New Roman" panose="02020603050405020304" pitchFamily="18" charset="0"/>
-            </a:endParaRPr>
-          </a:p>
-          <a:p>
-            <a:endParaRPr lang="en-IN" sz="2000" dirty="0">
-              <a:latin typeface="Times New Roman" panose="02020603050405020304" pitchFamily="18" charset="0"/>
-              <a:cs typeface="Times New Roman" panose="02020603050405020304" pitchFamily="18" charset="0"/>
-            </a:endParaRPr>
-          </a:p>
-          <a:p>
-            <a:endParaRPr lang="en-IN" sz="2000" dirty="0">
-              <a:latin typeface="Times New Roman" panose="02020603050405020304" pitchFamily="18" charset="0"/>
-              <a:cs typeface="Times New Roman" panose="02020603050405020304" pitchFamily="18" charset="0"/>
-            </a:endParaRPr>
-          </a:p>
-          <a:p>
-            <a:endParaRPr lang="en-IN" sz="2000" dirty="0">
-              <a:latin typeface="Times New Roman" panose="02020603050405020304" pitchFamily="18" charset="0"/>
-              <a:cs typeface="Times New Roman" panose="02020603050405020304" pitchFamily="18" charset="0"/>
-            </a:endParaRPr>
-          </a:p>
-          <a:p>
-            <a:endParaRPr lang="en-IN" sz="2000" dirty="0">
-              <a:latin typeface="Times New Roman" panose="02020603050405020304" pitchFamily="18" charset="0"/>
-              <a:cs typeface="Times New Roman" panose="02020603050405020304" pitchFamily="18" charset="0"/>
-            </a:endParaRPr>
-          </a:p>
-          <a:p>
-            <a:endParaRPr lang="en-IN" sz="2000" dirty="0">
-              <a:latin typeface="Times New Roman" panose="02020603050405020304" pitchFamily="18" charset="0"/>
-              <a:cs typeface="Times New Roman" panose="02020603050405020304" pitchFamily="18" charset="0"/>
-            </a:endParaRPr>
-          </a:p>
-          <a:p>
-            <a:endParaRPr lang="en-IN" sz="2000" dirty="0">
-              <a:latin typeface="Times New Roman" panose="02020603050405020304" pitchFamily="18" charset="0"/>
-              <a:cs typeface="Times New Roman" panose="02020603050405020304" pitchFamily="18" charset="0"/>
-            </a:endParaRPr>
-          </a:p>
-          <a:p>
-            <a:endParaRPr lang="en-IN" sz="2000" dirty="0">
-              <a:latin typeface="Times New Roman" panose="02020603050405020304" pitchFamily="18" charset="0"/>
-              <a:cs typeface="Times New Roman" panose="02020603050405020304" pitchFamily="18" charset="0"/>
-            </a:endParaRPr>
-          </a:p>
-          <a:p>
-            <a:endParaRPr lang="en-IN" sz="2000" dirty="0">
-              <a:latin typeface="Times New Roman" panose="02020603050405020304" pitchFamily="18" charset="0"/>
-              <a:cs typeface="Times New Roman" panose="02020603050405020304" pitchFamily="18" charset="0"/>
-            </a:endParaRPr>
-          </a:p>
-          <a:p>
-            <a:endParaRPr lang="en-IN" sz="2000" dirty="0">
-              <a:latin typeface="Times New Roman" panose="02020603050405020304" pitchFamily="18" charset="0"/>
-              <a:cs typeface="Times New Roman" panose="02020603050405020304" pitchFamily="18" charset="0"/>
-            </a:endParaRPr>
-          </a:p>
-          <a:p>
-            <a:pPr marL="0" indent="0">
-              <a:buNone/>
-            </a:pPr>
-            <a:endParaRPr lang="en-IN" sz="2000" dirty="0">
-              <a:latin typeface="Times New Roman" panose="02020603050405020304" pitchFamily="18" charset="0"/>
-              <a:cs typeface="Times New Roman" panose="02020603050405020304" pitchFamily="18" charset="0"/>
-            </a:endParaRPr>
-          </a:p>
-          <a:p>
-            <a:pPr marL="0" indent="0">
-              <a:buNone/>
-            </a:pPr>
-            <a:endParaRPr lang="en-IN" sz="2000" dirty="0">
-              <a:latin typeface="Times New Roman" panose="02020603050405020304" pitchFamily="18" charset="0"/>
-              <a:cs typeface="Times New Roman" panose="02020603050405020304" pitchFamily="18" charset="0"/>
-            </a:endParaRPr>
-          </a:p>
-        </p:txBody>
-      </p:sp>
-      <p:pic>
-        <p:nvPicPr>
-          <p:cNvPr id="5" name="Picture 4" descr="Graphical user interface, application&#10;&#10;Description automatically generated">
-            <a:extLst>
-              <a:ext uri="{FF2B5EF4-FFF2-40B4-BE49-F238E27FC236}">
-                <a16:creationId xmlns:a16="http://schemas.microsoft.com/office/drawing/2014/main" id="{721AD737-431D-EBCA-AD6F-BB1A3249F2EA}"/>
-              </a:ext>
-            </a:extLst>
-          </p:cNvPr>
-          <p:cNvPicPr>
-            <a:picLocks noChangeAspect="1"/>
-          </p:cNvPicPr>
-          <p:nvPr/>
-        </p:nvPicPr>
-        <p:blipFill>
-          <a:blip r:embed="rId2"/>
-          <a:stretch>
-            <a:fillRect/>
-          </a:stretch>
-        </p:blipFill>
-        <p:spPr>
-          <a:xfrm>
-            <a:off x="2000250" y="1509712"/>
-            <a:ext cx="9372600" cy="5272088"/>
-          </a:xfrm>
-          <a:prstGeom prst="rect">
-            <a:avLst/>
-          </a:prstGeom>
-        </p:spPr>
-      </p:pic>
-    </p:spTree>
-    <p:extLst>
-      <p:ext uri="{BB962C8B-B14F-4D97-AF65-F5344CB8AC3E}">
-        <p14:creationId xmlns:p14="http://schemas.microsoft.com/office/powerpoint/2010/main" val="3200146786"/>
-      </p:ext>
-    </p:extLst>
-  </p:cSld>
-  <p:clrMapOvr>
-    <a:masterClrMapping/>
-  </p:clrMapOvr>
-</p:sld>
-</file>
-
-<file path=ppt/slides/slide9.xml><?xml version="1.0" encoding="utf-8"?>
-<p:sld xmlns:a="http://schemas.openxmlformats.org/drawingml/2006/main" xmlns:r="http://schemas.openxmlformats.org/officeDocument/2006/relationships" xmlns:p="http://schemas.openxmlformats.org/presentationml/2006/main">
-  <p:cSld>
-    <p:spTree>
-      <p:nvGrpSpPr>
-        <p:cNvPr id="1" name=""/>
-        <p:cNvGrpSpPr/>
-        <p:nvPr/>
-      </p:nvGrpSpPr>
-      <p:grpSpPr>
-        <a:xfrm>
-          <a:off x="0" y="0"/>
-          <a:ext cx="0" cy="0"/>
-          <a:chOff x="0" y="0"/>
-          <a:chExt cx="0" cy="0"/>
-        </a:xfrm>
-      </p:grpSpPr>
-      <p:sp>
-        <p:nvSpPr>
-          <p:cNvPr id="2" name="Title 1">
-            <a:extLst>
-              <a:ext uri="{FF2B5EF4-FFF2-40B4-BE49-F238E27FC236}">
-                <a16:creationId xmlns:a16="http://schemas.microsoft.com/office/drawing/2014/main" id="{B006C791-0C4E-D255-E93C-8D9D08C5EA30}"/>
-              </a:ext>
-            </a:extLst>
-          </p:cNvPr>
-          <p:cNvSpPr>
-            <a:spLocks noGrp="1"/>
-          </p:cNvSpPr>
-          <p:nvPr>
-            <p:ph type="title"/>
-          </p:nvPr>
-        </p:nvSpPr>
-        <p:spPr/>
-        <p:txBody>
-          <a:bodyPr>
-            <a:normAutofit/>
-          </a:bodyPr>
-          <a:lstStyle/>
-          <a:p>
-            <a:r>
-              <a:rPr lang="en-IN" sz="2400" dirty="0">
-                <a:latin typeface="Times New Roman" panose="02020603050405020304" pitchFamily="18" charset="0"/>
-                <a:cs typeface="Times New Roman" panose="02020603050405020304" pitchFamily="18" charset="0"/>
-              </a:rPr>
-              <a:t>MODULE DESCRIPTION:</a:t>
-            </a:r>
-          </a:p>
-        </p:txBody>
-      </p:sp>
-      <p:sp>
-        <p:nvSpPr>
-          <p:cNvPr id="3" name="Content Placeholder 2">
-            <a:extLst>
-              <a:ext uri="{FF2B5EF4-FFF2-40B4-BE49-F238E27FC236}">
-                <a16:creationId xmlns:a16="http://schemas.microsoft.com/office/drawing/2014/main" id="{9B82C33B-639B-FF81-094D-AFD7DDB1522E}"/>
-              </a:ext>
-            </a:extLst>
-          </p:cNvPr>
-          <p:cNvSpPr>
-            <a:spLocks noGrp="1"/>
-          </p:cNvSpPr>
-          <p:nvPr>
-            <p:ph idx="1"/>
-          </p:nvPr>
-        </p:nvSpPr>
-        <p:spPr/>
-        <p:txBody>
-          <a:bodyPr>
-            <a:normAutofit/>
-          </a:bodyPr>
-          <a:lstStyle/>
-          <a:p>
-            <a:r>
-              <a:rPr lang="en-IN" sz="2000" b="1" dirty="0">
-                <a:latin typeface="Times New Roman" panose="02020603050405020304" pitchFamily="18" charset="0"/>
-                <a:cs typeface="Times New Roman" panose="02020603050405020304" pitchFamily="18" charset="0"/>
-              </a:rPr>
-              <a:t>User Registration Module:</a:t>
-            </a:r>
-          </a:p>
-          <a:p>
-            <a:pPr>
-              <a:buFont typeface="Wingdings" panose="05000000000000000000" pitchFamily="2" charset="2"/>
-              <a:buChar char="Ø"/>
-            </a:pPr>
-            <a:r>
-              <a:rPr lang="en-IN" sz="2000" dirty="0">
-                <a:latin typeface="Times New Roman" panose="02020603050405020304" pitchFamily="18" charset="0"/>
-                <a:cs typeface="Times New Roman" panose="02020603050405020304" pitchFamily="18" charset="0"/>
-              </a:rPr>
-              <a:t>The Employee Registration lets employee to register their details in the company’s portal.</a:t>
-            </a:r>
-          </a:p>
-          <a:p>
-            <a:pPr>
-              <a:buFont typeface="Wingdings" panose="05000000000000000000" pitchFamily="2" charset="2"/>
-              <a:buChar char="Ø"/>
-            </a:pPr>
-            <a:r>
-              <a:rPr lang="en-IN" sz="2000" dirty="0">
-                <a:latin typeface="Times New Roman" panose="02020603050405020304" pitchFamily="18" charset="0"/>
-                <a:cs typeface="Times New Roman" panose="02020603050405020304" pitchFamily="18" charset="0"/>
-              </a:rPr>
-              <a:t>The admin will maintain the registered details for further purposes.</a:t>
-            </a:r>
-          </a:p>
-          <a:p>
-            <a:pPr>
-              <a:buFont typeface="Wingdings" panose="05000000000000000000" pitchFamily="2" charset="2"/>
-              <a:buChar char="Ø"/>
-            </a:pPr>
-            <a:r>
-              <a:rPr lang="en-IN" sz="2000" dirty="0">
-                <a:latin typeface="Times New Roman" panose="02020603050405020304" pitchFamily="18" charset="0"/>
-                <a:cs typeface="Times New Roman" panose="02020603050405020304" pitchFamily="18" charset="0"/>
-              </a:rPr>
-              <a:t>The user will enter details like name, Date of Birth, Gender, Phone Number, Address, email id, Designation, Country, City and Password.</a:t>
-            </a:r>
-          </a:p>
-          <a:p>
-            <a:pPr>
-              <a:buFont typeface="Wingdings" panose="05000000000000000000" pitchFamily="2" charset="2"/>
-              <a:buChar char="Ø"/>
-            </a:pPr>
-            <a:r>
-              <a:rPr lang="en-IN" sz="2000" dirty="0">
-                <a:latin typeface="Times New Roman" panose="02020603050405020304" pitchFamily="18" charset="0"/>
-                <a:cs typeface="Times New Roman" panose="02020603050405020304" pitchFamily="18" charset="0"/>
-              </a:rPr>
-              <a:t>After entering these details, the employee can register their new account.</a:t>
-            </a:r>
-          </a:p>
-          <a:p>
-            <a:pPr>
-              <a:buFont typeface="Wingdings" panose="05000000000000000000" pitchFamily="2" charset="2"/>
-              <a:buChar char="Ø"/>
-            </a:pPr>
-            <a:r>
-              <a:rPr lang="en-IN" sz="2000" dirty="0">
-                <a:latin typeface="Times New Roman" panose="02020603050405020304" pitchFamily="18" charset="0"/>
-                <a:cs typeface="Times New Roman" panose="02020603050405020304" pitchFamily="18" charset="0"/>
-              </a:rPr>
-              <a:t>After successful registration, will receive a popup stating “Employee Added Successfully”.</a:t>
-            </a:r>
-          </a:p>
-          <a:p>
-            <a:pPr>
-              <a:buFont typeface="Wingdings" panose="05000000000000000000" pitchFamily="2" charset="2"/>
-              <a:buChar char="Ø"/>
-            </a:pPr>
-            <a:endParaRPr lang="en-IN" sz="2000" dirty="0">
-              <a:latin typeface="Times New Roman" panose="02020603050405020304" pitchFamily="18" charset="0"/>
-              <a:cs typeface="Times New Roman" panose="02020603050405020304" pitchFamily="18" charset="0"/>
-            </a:endParaRPr>
-          </a:p>
-        </p:txBody>
-      </p:sp>
-    </p:spTree>
-    <p:extLst>
-      <p:ext uri="{BB962C8B-B14F-4D97-AF65-F5344CB8AC3E}">
-        <p14:creationId xmlns:p14="http://schemas.microsoft.com/office/powerpoint/2010/main" val="3006867287"/>
       </p:ext>
     </p:extLst>
   </p:cSld>
